--- a/doc/発表資料/発表資料.pptx
+++ b/doc/発表資料/発表資料.pptx
@@ -10,22 +10,25 @@
     <p:sldId id="258" r:id="rId4"/>
     <p:sldId id="259" r:id="rId5"/>
     <p:sldId id="260" r:id="rId6"/>
-    <p:sldId id="261" r:id="rId7"/>
-    <p:sldId id="262" r:id="rId8"/>
-    <p:sldId id="263" r:id="rId9"/>
-    <p:sldId id="264" r:id="rId10"/>
-    <p:sldId id="265" r:id="rId11"/>
-    <p:sldId id="270" r:id="rId12"/>
-    <p:sldId id="266" r:id="rId13"/>
-    <p:sldId id="271" r:id="rId14"/>
-    <p:sldId id="267" r:id="rId15"/>
-    <p:sldId id="272" r:id="rId16"/>
-    <p:sldId id="268" r:id="rId17"/>
-    <p:sldId id="273" r:id="rId18"/>
-    <p:sldId id="269" r:id="rId19"/>
-    <p:sldId id="274" r:id="rId20"/>
-    <p:sldId id="275" r:id="rId21"/>
-    <p:sldId id="276" r:id="rId22"/>
+    <p:sldId id="277" r:id="rId7"/>
+    <p:sldId id="261" r:id="rId8"/>
+    <p:sldId id="262" r:id="rId9"/>
+    <p:sldId id="279" r:id="rId10"/>
+    <p:sldId id="278" r:id="rId11"/>
+    <p:sldId id="281" r:id="rId12"/>
+    <p:sldId id="280" r:id="rId13"/>
+    <p:sldId id="282" r:id="rId14"/>
+    <p:sldId id="283" r:id="rId15"/>
+    <p:sldId id="284" r:id="rId16"/>
+    <p:sldId id="263" r:id="rId17"/>
+    <p:sldId id="264" r:id="rId18"/>
+    <p:sldId id="265" r:id="rId19"/>
+    <p:sldId id="266" r:id="rId20"/>
+    <p:sldId id="267" r:id="rId21"/>
+    <p:sldId id="268" r:id="rId22"/>
+    <p:sldId id="269" r:id="rId23"/>
+    <p:sldId id="275" r:id="rId24"/>
+    <p:sldId id="276" r:id="rId25"/>
   </p:sldIdLst>
   <p:sldSz cx="12192000" cy="6858000"/>
   <p:notesSz cx="6858000" cy="9144000"/>
@@ -279,7 +282,7 @@
           <a:p>
             <a:fld id="{ADD01BEF-F6B8-4853-9817-57B313B2EBC0}" type="datetimeFigureOut">
               <a:rPr kumimoji="1" lang="ja-JP" altLang="en-US" smtClean="0"/>
-              <a:t>2024/6/20</a:t>
+              <a:t>2024/6/21</a:t>
             </a:fld>
             <a:endParaRPr kumimoji="1" lang="ja-JP" altLang="en-US"/>
           </a:p>
@@ -509,7 +512,7 @@
           <a:p>
             <a:fld id="{ADD01BEF-F6B8-4853-9817-57B313B2EBC0}" type="datetimeFigureOut">
               <a:rPr kumimoji="1" lang="ja-JP" altLang="en-US" smtClean="0"/>
-              <a:t>2024/6/20</a:t>
+              <a:t>2024/6/21</a:t>
             </a:fld>
             <a:endParaRPr kumimoji="1" lang="ja-JP" altLang="en-US"/>
           </a:p>
@@ -749,7 +752,7 @@
           <a:p>
             <a:fld id="{ADD01BEF-F6B8-4853-9817-57B313B2EBC0}" type="datetimeFigureOut">
               <a:rPr kumimoji="1" lang="ja-JP" altLang="en-US" smtClean="0"/>
-              <a:t>2024/6/20</a:t>
+              <a:t>2024/6/21</a:t>
             </a:fld>
             <a:endParaRPr kumimoji="1" lang="ja-JP" altLang="en-US"/>
           </a:p>
@@ -979,7 +982,7 @@
           <a:p>
             <a:fld id="{ADD01BEF-F6B8-4853-9817-57B313B2EBC0}" type="datetimeFigureOut">
               <a:rPr kumimoji="1" lang="ja-JP" altLang="en-US" smtClean="0"/>
-              <a:t>2024/6/20</a:t>
+              <a:t>2024/6/21</a:t>
             </a:fld>
             <a:endParaRPr kumimoji="1" lang="ja-JP" altLang="en-US"/>
           </a:p>
@@ -1254,7 +1257,7 @@
           <a:p>
             <a:fld id="{ADD01BEF-F6B8-4853-9817-57B313B2EBC0}" type="datetimeFigureOut">
               <a:rPr kumimoji="1" lang="ja-JP" altLang="en-US" smtClean="0"/>
-              <a:t>2024/6/20</a:t>
+              <a:t>2024/6/21</a:t>
             </a:fld>
             <a:endParaRPr kumimoji="1" lang="ja-JP" altLang="en-US"/>
           </a:p>
@@ -1583,7 +1586,7 @@
           <a:p>
             <a:fld id="{ADD01BEF-F6B8-4853-9817-57B313B2EBC0}" type="datetimeFigureOut">
               <a:rPr kumimoji="1" lang="ja-JP" altLang="en-US" smtClean="0"/>
-              <a:t>2024/6/20</a:t>
+              <a:t>2024/6/21</a:t>
             </a:fld>
             <a:endParaRPr kumimoji="1" lang="ja-JP" altLang="en-US"/>
           </a:p>
@@ -2059,7 +2062,7 @@
           <a:p>
             <a:fld id="{ADD01BEF-F6B8-4853-9817-57B313B2EBC0}" type="datetimeFigureOut">
               <a:rPr kumimoji="1" lang="ja-JP" altLang="en-US" smtClean="0"/>
-              <a:t>2024/6/20</a:t>
+              <a:t>2024/6/21</a:t>
             </a:fld>
             <a:endParaRPr kumimoji="1" lang="ja-JP" altLang="en-US"/>
           </a:p>
@@ -2200,7 +2203,7 @@
           <a:p>
             <a:fld id="{ADD01BEF-F6B8-4853-9817-57B313B2EBC0}" type="datetimeFigureOut">
               <a:rPr kumimoji="1" lang="ja-JP" altLang="en-US" smtClean="0"/>
-              <a:t>2024/6/20</a:t>
+              <a:t>2024/6/21</a:t>
             </a:fld>
             <a:endParaRPr kumimoji="1" lang="ja-JP" altLang="en-US"/>
           </a:p>
@@ -2313,7 +2316,7 @@
           <a:p>
             <a:fld id="{ADD01BEF-F6B8-4853-9817-57B313B2EBC0}" type="datetimeFigureOut">
               <a:rPr kumimoji="1" lang="ja-JP" altLang="en-US" smtClean="0"/>
-              <a:t>2024/6/20</a:t>
+              <a:t>2024/6/21</a:t>
             </a:fld>
             <a:endParaRPr kumimoji="1" lang="ja-JP" altLang="en-US"/>
           </a:p>
@@ -2656,7 +2659,7 @@
           <a:p>
             <a:fld id="{ADD01BEF-F6B8-4853-9817-57B313B2EBC0}" type="datetimeFigureOut">
               <a:rPr kumimoji="1" lang="ja-JP" altLang="en-US" smtClean="0"/>
-              <a:t>2024/6/20</a:t>
+              <a:t>2024/6/21</a:t>
             </a:fld>
             <a:endParaRPr kumimoji="1" lang="ja-JP" altLang="en-US"/>
           </a:p>
@@ -2944,7 +2947,7 @@
           <a:p>
             <a:fld id="{ADD01BEF-F6B8-4853-9817-57B313B2EBC0}" type="datetimeFigureOut">
               <a:rPr kumimoji="1" lang="ja-JP" altLang="en-US" smtClean="0"/>
-              <a:t>2024/6/20</a:t>
+              <a:t>2024/6/21</a:t>
             </a:fld>
             <a:endParaRPr kumimoji="1" lang="ja-JP" altLang="en-US"/>
           </a:p>
@@ -3217,7 +3220,7 @@
           <a:p>
             <a:fld id="{ADD01BEF-F6B8-4853-9817-57B313B2EBC0}" type="datetimeFigureOut">
               <a:rPr kumimoji="1" lang="ja-JP" altLang="en-US" smtClean="0"/>
-              <a:t>2024/6/20</a:t>
+              <a:t>2024/6/21</a:t>
             </a:fld>
             <a:endParaRPr kumimoji="1" lang="ja-JP" altLang="en-US"/>
           </a:p>
@@ -3757,7 +3760,7 @@
           <p:cNvPr id="2" name="タイトル 1">
             <a:extLst>
               <a:ext uri="{FF2B5EF4-FFF2-40B4-BE49-F238E27FC236}">
-                <a16:creationId xmlns:a16="http://schemas.microsoft.com/office/drawing/2014/main" id="{1CA1917A-9579-E4E8-ABB2-4608355CEF02}"/>
+                <a16:creationId xmlns:a16="http://schemas.microsoft.com/office/drawing/2014/main" id="{1D6E9E7C-9DC3-D6DC-D775-C17B7EF2BC0E}"/>
               </a:ext>
             </a:extLst>
           </p:cNvPr>
@@ -3775,53 +3778,80 @@
           <a:p>
             <a:r>
               <a:rPr kumimoji="1" lang="ja-JP" altLang="en-US" dirty="0"/>
-              <a:t>個々人のできたこと、課題</a:t>
-            </a:r>
-            <a:r>
-              <a:rPr kumimoji="1" lang="en-US" altLang="ja-JP" dirty="0"/>
-              <a:t>(</a:t>
-            </a:r>
+              <a:t>アプリの動画とか再現</a:t>
+            </a:r>
+          </a:p>
+        </p:txBody>
+      </p:sp>
+      <p:sp>
+        <p:nvSpPr>
+          <p:cNvPr id="3" name="コンテンツ プレースホルダー 2">
+            <a:extLst>
+              <a:ext uri="{FF2B5EF4-FFF2-40B4-BE49-F238E27FC236}">
+                <a16:creationId xmlns:a16="http://schemas.microsoft.com/office/drawing/2014/main" id="{40BDDEC5-CC57-13B2-E7A3-FEFB5FB6148D}"/>
+              </a:ext>
+            </a:extLst>
+          </p:cNvPr>
+          <p:cNvSpPr>
+            <a:spLocks noGrp="1"/>
+          </p:cNvSpPr>
+          <p:nvPr>
+            <p:ph idx="1"/>
+          </p:nvPr>
+        </p:nvSpPr>
+        <p:spPr>
+          <a:xfrm>
+            <a:off x="7307826" y="203302"/>
+            <a:ext cx="4392561" cy="1173214"/>
+          </a:xfrm>
+        </p:spPr>
+        <p:txBody>
+          <a:bodyPr>
+            <a:normAutofit lnSpcReduction="10000"/>
+          </a:bodyPr>
+          <a:lstStyle/>
+          <a:p>
             <a:r>
               <a:rPr kumimoji="1" lang="ja-JP" altLang="en-US" dirty="0"/>
-              <a:t>加藤</a:t>
-            </a:r>
-            <a:r>
-              <a:rPr kumimoji="1" lang="en-US" altLang="ja-JP" dirty="0"/>
-              <a:t>)</a:t>
-            </a:r>
-            <a:endParaRPr kumimoji="1" lang="ja-JP" altLang="en-US" dirty="0"/>
-          </a:p>
-        </p:txBody>
-      </p:sp>
-      <p:sp>
-        <p:nvSpPr>
-          <p:cNvPr id="3" name="コンテンツ プレースホルダー 2">
-            <a:extLst>
-              <a:ext uri="{FF2B5EF4-FFF2-40B4-BE49-F238E27FC236}">
-                <a16:creationId xmlns:a16="http://schemas.microsoft.com/office/drawing/2014/main" id="{2A57E4CC-F15F-DDFC-9A72-BD80CF0C29E9}"/>
-              </a:ext>
-            </a:extLst>
-          </p:cNvPr>
-          <p:cNvSpPr>
-            <a:spLocks noGrp="1"/>
-          </p:cNvSpPr>
-          <p:nvPr>
-            <p:ph idx="1"/>
-          </p:nvPr>
-        </p:nvSpPr>
-        <p:spPr/>
-        <p:txBody>
-          <a:bodyPr/>
-          <a:lstStyle/>
-          <a:p>
-            <a:endParaRPr kumimoji="1" lang="ja-JP" altLang="en-US"/>
-          </a:p>
-        </p:txBody>
-      </p:sp>
+              <a:t>検索からみつけていいな～フォローしちゃおとかいう</a:t>
+            </a:r>
+          </a:p>
+        </p:txBody>
+      </p:sp>
+      <p:pic>
+        <p:nvPicPr>
+          <p:cNvPr id="6" name="図 5">
+            <a:extLst>
+              <a:ext uri="{FF2B5EF4-FFF2-40B4-BE49-F238E27FC236}">
+                <a16:creationId xmlns:a16="http://schemas.microsoft.com/office/drawing/2014/main" id="{DF18127D-CC8A-AA43-9F1F-3E14F9B4729C}"/>
+              </a:ext>
+            </a:extLst>
+          </p:cNvPr>
+          <p:cNvPicPr>
+            <a:picLocks noChangeAspect="1"/>
+          </p:cNvPicPr>
+          <p:nvPr/>
+        </p:nvPicPr>
+        <p:blipFill>
+          <a:blip r:embed="rId2"/>
+          <a:stretch>
+            <a:fillRect/>
+          </a:stretch>
+        </p:blipFill>
+        <p:spPr>
+          <a:xfrm>
+            <a:off x="2075014" y="1578708"/>
+            <a:ext cx="8160367" cy="4617882"/>
+          </a:xfrm>
+          <a:prstGeom prst="rect">
+            <a:avLst/>
+          </a:prstGeom>
+        </p:spPr>
+      </p:pic>
     </p:spTree>
     <p:extLst>
       <p:ext uri="{BB962C8B-B14F-4D97-AF65-F5344CB8AC3E}">
-        <p14:creationId xmlns:p14="http://schemas.microsoft.com/office/powerpoint/2010/main" val="2061044871"/>
+        <p14:creationId xmlns:p14="http://schemas.microsoft.com/office/powerpoint/2010/main" val="1109229213"/>
       </p:ext>
     </p:extLst>
   </p:cSld>
@@ -3853,7 +3883,7 @@
           <p:cNvPr id="2" name="タイトル 1">
             <a:extLst>
               <a:ext uri="{FF2B5EF4-FFF2-40B4-BE49-F238E27FC236}">
-                <a16:creationId xmlns:a16="http://schemas.microsoft.com/office/drawing/2014/main" id="{9B8DC786-5BD3-D117-FAE0-6465C0FF6B1D}"/>
+                <a16:creationId xmlns:a16="http://schemas.microsoft.com/office/drawing/2014/main" id="{1D6E9E7C-9DC3-D6DC-D775-C17B7EF2BC0E}"/>
               </a:ext>
             </a:extLst>
           </p:cNvPr>
@@ -3871,7 +3901,7 @@
           <a:p>
             <a:r>
               <a:rPr kumimoji="1" lang="ja-JP" altLang="en-US" dirty="0"/>
-              <a:t>他の人から寄せられた声</a:t>
+              <a:t>アプリの動画とか再現</a:t>
             </a:r>
           </a:p>
         </p:txBody>
@@ -3881,7 +3911,7 @@
           <p:cNvPr id="3" name="コンテンツ プレースホルダー 2">
             <a:extLst>
               <a:ext uri="{FF2B5EF4-FFF2-40B4-BE49-F238E27FC236}">
-                <a16:creationId xmlns:a16="http://schemas.microsoft.com/office/drawing/2014/main" id="{406E346C-E7C1-96FD-1348-F6D50859E04D}"/>
+                <a16:creationId xmlns:a16="http://schemas.microsoft.com/office/drawing/2014/main" id="{40BDDEC5-CC57-13B2-E7A3-FEFB5FB6148D}"/>
               </a:ext>
             </a:extLst>
           </p:cNvPr>
@@ -3892,19 +3922,59 @@
             <p:ph idx="1"/>
           </p:nvPr>
         </p:nvSpPr>
-        <p:spPr/>
-        <p:txBody>
-          <a:bodyPr/>
-          <a:lstStyle/>
-          <a:p>
-            <a:endParaRPr kumimoji="1" lang="ja-JP" altLang="en-US"/>
-          </a:p>
-        </p:txBody>
-      </p:sp>
+        <p:spPr>
+          <a:xfrm>
+            <a:off x="7307826" y="203302"/>
+            <a:ext cx="4392561" cy="1173214"/>
+          </a:xfrm>
+        </p:spPr>
+        <p:txBody>
+          <a:bodyPr>
+            <a:normAutofit lnSpcReduction="10000"/>
+          </a:bodyPr>
+          <a:lstStyle/>
+          <a:p>
+            <a:r>
+              <a:rPr kumimoji="1" lang="ja-JP" altLang="en-US" dirty="0"/>
+              <a:t>検索からみつけていいな～フォローしちゃおとかいう</a:t>
+            </a:r>
+          </a:p>
+        </p:txBody>
+      </p:sp>
+      <p:pic>
+        <p:nvPicPr>
+          <p:cNvPr id="5" name="図 4">
+            <a:extLst>
+              <a:ext uri="{FF2B5EF4-FFF2-40B4-BE49-F238E27FC236}">
+                <a16:creationId xmlns:a16="http://schemas.microsoft.com/office/drawing/2014/main" id="{3C1D8538-B330-9702-A7B4-27BDD07604D5}"/>
+              </a:ext>
+            </a:extLst>
+          </p:cNvPr>
+          <p:cNvPicPr>
+            <a:picLocks noChangeAspect="1"/>
+          </p:cNvPicPr>
+          <p:nvPr/>
+        </p:nvPicPr>
+        <p:blipFill>
+          <a:blip r:embed="rId2"/>
+          <a:stretch>
+            <a:fillRect/>
+          </a:stretch>
+        </p:blipFill>
+        <p:spPr>
+          <a:xfrm>
+            <a:off x="1750244" y="1376516"/>
+            <a:ext cx="8514634" cy="4775696"/>
+          </a:xfrm>
+          <a:prstGeom prst="rect">
+            <a:avLst/>
+          </a:prstGeom>
+        </p:spPr>
+      </p:pic>
     </p:spTree>
     <p:extLst>
       <p:ext uri="{BB962C8B-B14F-4D97-AF65-F5344CB8AC3E}">
-        <p14:creationId xmlns:p14="http://schemas.microsoft.com/office/powerpoint/2010/main" val="2587416748"/>
+        <p14:creationId xmlns:p14="http://schemas.microsoft.com/office/powerpoint/2010/main" val="2637779115"/>
       </p:ext>
     </p:extLst>
   </p:cSld>
@@ -3936,7 +4006,7 @@
           <p:cNvPr id="2" name="タイトル 1">
             <a:extLst>
               <a:ext uri="{FF2B5EF4-FFF2-40B4-BE49-F238E27FC236}">
-                <a16:creationId xmlns:a16="http://schemas.microsoft.com/office/drawing/2014/main" id="{1CA1917A-9579-E4E8-ABB2-4608355CEF02}"/>
+                <a16:creationId xmlns:a16="http://schemas.microsoft.com/office/drawing/2014/main" id="{1D6E9E7C-9DC3-D6DC-D775-C17B7EF2BC0E}"/>
               </a:ext>
             </a:extLst>
           </p:cNvPr>
@@ -3954,53 +4024,80 @@
           <a:p>
             <a:r>
               <a:rPr kumimoji="1" lang="ja-JP" altLang="en-US" dirty="0"/>
-              <a:t>個々人のできたこと、課題</a:t>
-            </a:r>
-            <a:r>
-              <a:rPr kumimoji="1" lang="en-US" altLang="ja-JP" dirty="0"/>
-              <a:t>(</a:t>
-            </a:r>
+              <a:t>アプリの動画とか再現</a:t>
+            </a:r>
+          </a:p>
+        </p:txBody>
+      </p:sp>
+      <p:sp>
+        <p:nvSpPr>
+          <p:cNvPr id="3" name="コンテンツ プレースホルダー 2">
+            <a:extLst>
+              <a:ext uri="{FF2B5EF4-FFF2-40B4-BE49-F238E27FC236}">
+                <a16:creationId xmlns:a16="http://schemas.microsoft.com/office/drawing/2014/main" id="{40BDDEC5-CC57-13B2-E7A3-FEFB5FB6148D}"/>
+              </a:ext>
+            </a:extLst>
+          </p:cNvPr>
+          <p:cNvSpPr>
+            <a:spLocks noGrp="1"/>
+          </p:cNvSpPr>
+          <p:nvPr>
+            <p:ph idx="1"/>
+          </p:nvPr>
+        </p:nvSpPr>
+        <p:spPr>
+          <a:xfrm>
+            <a:off x="7307826" y="203302"/>
+            <a:ext cx="4392561" cy="1173214"/>
+          </a:xfrm>
+        </p:spPr>
+        <p:txBody>
+          <a:bodyPr>
+            <a:normAutofit lnSpcReduction="10000"/>
+          </a:bodyPr>
+          <a:lstStyle/>
+          <a:p>
             <a:r>
               <a:rPr kumimoji="1" lang="ja-JP" altLang="en-US" dirty="0"/>
-              <a:t>田中</a:t>
-            </a:r>
-            <a:r>
-              <a:rPr kumimoji="1" lang="en-US" altLang="ja-JP" dirty="0"/>
-              <a:t>)</a:t>
-            </a:r>
-            <a:endParaRPr kumimoji="1" lang="ja-JP" altLang="en-US" dirty="0"/>
-          </a:p>
-        </p:txBody>
-      </p:sp>
-      <p:sp>
-        <p:nvSpPr>
-          <p:cNvPr id="3" name="コンテンツ プレースホルダー 2">
-            <a:extLst>
-              <a:ext uri="{FF2B5EF4-FFF2-40B4-BE49-F238E27FC236}">
-                <a16:creationId xmlns:a16="http://schemas.microsoft.com/office/drawing/2014/main" id="{2A57E4CC-F15F-DDFC-9A72-BD80CF0C29E9}"/>
-              </a:ext>
-            </a:extLst>
-          </p:cNvPr>
-          <p:cNvSpPr>
-            <a:spLocks noGrp="1"/>
-          </p:cNvSpPr>
-          <p:nvPr>
-            <p:ph idx="1"/>
-          </p:nvPr>
-        </p:nvSpPr>
-        <p:spPr/>
-        <p:txBody>
-          <a:bodyPr/>
-          <a:lstStyle/>
-          <a:p>
-            <a:endParaRPr kumimoji="1" lang="ja-JP" altLang="en-US"/>
-          </a:p>
-        </p:txBody>
-      </p:sp>
+              <a:t>検索からみつけていいな～フォローしちゃおとかいう</a:t>
+            </a:r>
+          </a:p>
+        </p:txBody>
+      </p:sp>
+      <p:pic>
+        <p:nvPicPr>
+          <p:cNvPr id="5" name="図 4">
+            <a:extLst>
+              <a:ext uri="{FF2B5EF4-FFF2-40B4-BE49-F238E27FC236}">
+                <a16:creationId xmlns:a16="http://schemas.microsoft.com/office/drawing/2014/main" id="{41A03477-81CF-C850-5842-91ACE9628915}"/>
+              </a:ext>
+            </a:extLst>
+          </p:cNvPr>
+          <p:cNvPicPr>
+            <a:picLocks noChangeAspect="1"/>
+          </p:cNvPicPr>
+          <p:nvPr/>
+        </p:nvPicPr>
+        <p:blipFill>
+          <a:blip r:embed="rId2"/>
+          <a:stretch>
+            <a:fillRect/>
+          </a:stretch>
+        </p:blipFill>
+        <p:spPr>
+          <a:xfrm>
+            <a:off x="1626243" y="1532972"/>
+            <a:ext cx="8785786" cy="4959903"/>
+          </a:xfrm>
+          <a:prstGeom prst="rect">
+            <a:avLst/>
+          </a:prstGeom>
+        </p:spPr>
+      </p:pic>
     </p:spTree>
     <p:extLst>
       <p:ext uri="{BB962C8B-B14F-4D97-AF65-F5344CB8AC3E}">
-        <p14:creationId xmlns:p14="http://schemas.microsoft.com/office/powerpoint/2010/main" val="2057658110"/>
+        <p14:creationId xmlns:p14="http://schemas.microsoft.com/office/powerpoint/2010/main" val="662482652"/>
       </p:ext>
     </p:extLst>
   </p:cSld>
@@ -4032,7 +4129,7 @@
           <p:cNvPr id="2" name="タイトル 1">
             <a:extLst>
               <a:ext uri="{FF2B5EF4-FFF2-40B4-BE49-F238E27FC236}">
-                <a16:creationId xmlns:a16="http://schemas.microsoft.com/office/drawing/2014/main" id="{9B8DC786-5BD3-D117-FAE0-6465C0FF6B1D}"/>
+                <a16:creationId xmlns:a16="http://schemas.microsoft.com/office/drawing/2014/main" id="{1D6E9E7C-9DC3-D6DC-D775-C17B7EF2BC0E}"/>
               </a:ext>
             </a:extLst>
           </p:cNvPr>
@@ -4050,7 +4147,7 @@
           <a:p>
             <a:r>
               <a:rPr kumimoji="1" lang="ja-JP" altLang="en-US" dirty="0"/>
-              <a:t>他の人から寄せられた声</a:t>
+              <a:t>アプリの動画とか再現</a:t>
             </a:r>
           </a:p>
         </p:txBody>
@@ -4060,7 +4157,7 @@
           <p:cNvPr id="3" name="コンテンツ プレースホルダー 2">
             <a:extLst>
               <a:ext uri="{FF2B5EF4-FFF2-40B4-BE49-F238E27FC236}">
-                <a16:creationId xmlns:a16="http://schemas.microsoft.com/office/drawing/2014/main" id="{406E346C-E7C1-96FD-1348-F6D50859E04D}"/>
+                <a16:creationId xmlns:a16="http://schemas.microsoft.com/office/drawing/2014/main" id="{40BDDEC5-CC57-13B2-E7A3-FEFB5FB6148D}"/>
               </a:ext>
             </a:extLst>
           </p:cNvPr>
@@ -4071,19 +4168,59 @@
             <p:ph idx="1"/>
           </p:nvPr>
         </p:nvSpPr>
-        <p:spPr/>
-        <p:txBody>
-          <a:bodyPr/>
-          <a:lstStyle/>
-          <a:p>
-            <a:endParaRPr kumimoji="1" lang="ja-JP" altLang="en-US"/>
-          </a:p>
-        </p:txBody>
-      </p:sp>
+        <p:spPr>
+          <a:xfrm>
+            <a:off x="7307826" y="203302"/>
+            <a:ext cx="4392561" cy="1173214"/>
+          </a:xfrm>
+        </p:spPr>
+        <p:txBody>
+          <a:bodyPr>
+            <a:normAutofit lnSpcReduction="10000"/>
+          </a:bodyPr>
+          <a:lstStyle/>
+          <a:p>
+            <a:r>
+              <a:rPr kumimoji="1" lang="ja-JP" altLang="en-US" dirty="0"/>
+              <a:t>検索からみつけていいな～フォローしちゃおとかいう</a:t>
+            </a:r>
+          </a:p>
+        </p:txBody>
+      </p:sp>
+      <p:pic>
+        <p:nvPicPr>
+          <p:cNvPr id="6" name="図 5">
+            <a:extLst>
+              <a:ext uri="{FF2B5EF4-FFF2-40B4-BE49-F238E27FC236}">
+                <a16:creationId xmlns:a16="http://schemas.microsoft.com/office/drawing/2014/main" id="{DF18127D-CC8A-AA43-9F1F-3E14F9B4729C}"/>
+              </a:ext>
+            </a:extLst>
+          </p:cNvPr>
+          <p:cNvPicPr>
+            <a:picLocks noChangeAspect="1"/>
+          </p:cNvPicPr>
+          <p:nvPr/>
+        </p:nvPicPr>
+        <p:blipFill>
+          <a:blip r:embed="rId2"/>
+          <a:stretch>
+            <a:fillRect/>
+          </a:stretch>
+        </p:blipFill>
+        <p:spPr>
+          <a:xfrm>
+            <a:off x="2075014" y="1578708"/>
+            <a:ext cx="8160367" cy="4617882"/>
+          </a:xfrm>
+          <a:prstGeom prst="rect">
+            <a:avLst/>
+          </a:prstGeom>
+        </p:spPr>
+      </p:pic>
     </p:spTree>
     <p:extLst>
       <p:ext uri="{BB962C8B-B14F-4D97-AF65-F5344CB8AC3E}">
-        <p14:creationId xmlns:p14="http://schemas.microsoft.com/office/powerpoint/2010/main" val="442418218"/>
+        <p14:creationId xmlns:p14="http://schemas.microsoft.com/office/powerpoint/2010/main" val="2827023335"/>
       </p:ext>
     </p:extLst>
   </p:cSld>
@@ -4115,7 +4252,7 @@
           <p:cNvPr id="2" name="タイトル 1">
             <a:extLst>
               <a:ext uri="{FF2B5EF4-FFF2-40B4-BE49-F238E27FC236}">
-                <a16:creationId xmlns:a16="http://schemas.microsoft.com/office/drawing/2014/main" id="{1CA1917A-9579-E4E8-ABB2-4608355CEF02}"/>
+                <a16:creationId xmlns:a16="http://schemas.microsoft.com/office/drawing/2014/main" id="{1D6E9E7C-9DC3-D6DC-D775-C17B7EF2BC0E}"/>
               </a:ext>
             </a:extLst>
           </p:cNvPr>
@@ -4133,53 +4270,80 @@
           <a:p>
             <a:r>
               <a:rPr kumimoji="1" lang="ja-JP" altLang="en-US" dirty="0"/>
-              <a:t>個々人のできたこと、課題</a:t>
-            </a:r>
-            <a:r>
-              <a:rPr kumimoji="1" lang="en-US" altLang="ja-JP" dirty="0"/>
-              <a:t>(</a:t>
-            </a:r>
+              <a:t>アプリの動画とか再現</a:t>
+            </a:r>
+          </a:p>
+        </p:txBody>
+      </p:sp>
+      <p:sp>
+        <p:nvSpPr>
+          <p:cNvPr id="3" name="コンテンツ プレースホルダー 2">
+            <a:extLst>
+              <a:ext uri="{FF2B5EF4-FFF2-40B4-BE49-F238E27FC236}">
+                <a16:creationId xmlns:a16="http://schemas.microsoft.com/office/drawing/2014/main" id="{40BDDEC5-CC57-13B2-E7A3-FEFB5FB6148D}"/>
+              </a:ext>
+            </a:extLst>
+          </p:cNvPr>
+          <p:cNvSpPr>
+            <a:spLocks noGrp="1"/>
+          </p:cNvSpPr>
+          <p:nvPr>
+            <p:ph idx="1"/>
+          </p:nvPr>
+        </p:nvSpPr>
+        <p:spPr>
+          <a:xfrm>
+            <a:off x="7307826" y="203302"/>
+            <a:ext cx="4392561" cy="1173214"/>
+          </a:xfrm>
+        </p:spPr>
+        <p:txBody>
+          <a:bodyPr>
+            <a:normAutofit lnSpcReduction="10000"/>
+          </a:bodyPr>
+          <a:lstStyle/>
+          <a:p>
             <a:r>
               <a:rPr kumimoji="1" lang="ja-JP" altLang="en-US" dirty="0"/>
-              <a:t>松野</a:t>
-            </a:r>
-            <a:r>
-              <a:rPr kumimoji="1" lang="en-US" altLang="ja-JP" dirty="0"/>
-              <a:t>)</a:t>
-            </a:r>
-            <a:endParaRPr kumimoji="1" lang="ja-JP" altLang="en-US" dirty="0"/>
-          </a:p>
-        </p:txBody>
-      </p:sp>
-      <p:sp>
-        <p:nvSpPr>
-          <p:cNvPr id="3" name="コンテンツ プレースホルダー 2">
-            <a:extLst>
-              <a:ext uri="{FF2B5EF4-FFF2-40B4-BE49-F238E27FC236}">
-                <a16:creationId xmlns:a16="http://schemas.microsoft.com/office/drawing/2014/main" id="{2A57E4CC-F15F-DDFC-9A72-BD80CF0C29E9}"/>
-              </a:ext>
-            </a:extLst>
-          </p:cNvPr>
-          <p:cNvSpPr>
-            <a:spLocks noGrp="1"/>
-          </p:cNvSpPr>
-          <p:nvPr>
-            <p:ph idx="1"/>
-          </p:nvPr>
-        </p:nvSpPr>
-        <p:spPr/>
-        <p:txBody>
-          <a:bodyPr/>
-          <a:lstStyle/>
-          <a:p>
-            <a:endParaRPr kumimoji="1" lang="ja-JP" altLang="en-US"/>
-          </a:p>
-        </p:txBody>
-      </p:sp>
+              <a:t>検索からみつけていいな～フォローしちゃおとかいう</a:t>
+            </a:r>
+          </a:p>
+        </p:txBody>
+      </p:sp>
+      <p:pic>
+        <p:nvPicPr>
+          <p:cNvPr id="5" name="図 4">
+            <a:extLst>
+              <a:ext uri="{FF2B5EF4-FFF2-40B4-BE49-F238E27FC236}">
+                <a16:creationId xmlns:a16="http://schemas.microsoft.com/office/drawing/2014/main" id="{A63117BD-908C-F8FB-EC9D-ABDCB181CFD6}"/>
+              </a:ext>
+            </a:extLst>
+          </p:cNvPr>
+          <p:cNvPicPr>
+            <a:picLocks noChangeAspect="1"/>
+          </p:cNvPicPr>
+          <p:nvPr/>
+        </p:nvPicPr>
+        <p:blipFill>
+          <a:blip r:embed="rId2"/>
+          <a:stretch>
+            <a:fillRect/>
+          </a:stretch>
+        </p:blipFill>
+        <p:spPr>
+          <a:xfrm>
+            <a:off x="1654204" y="1376516"/>
+            <a:ext cx="8883592" cy="4960967"/>
+          </a:xfrm>
+          <a:prstGeom prst="rect">
+            <a:avLst/>
+          </a:prstGeom>
+        </p:spPr>
+      </p:pic>
     </p:spTree>
     <p:extLst>
       <p:ext uri="{BB962C8B-B14F-4D97-AF65-F5344CB8AC3E}">
-        <p14:creationId xmlns:p14="http://schemas.microsoft.com/office/powerpoint/2010/main" val="448971792"/>
+        <p14:creationId xmlns:p14="http://schemas.microsoft.com/office/powerpoint/2010/main" val="4072204021"/>
       </p:ext>
     </p:extLst>
   </p:cSld>
@@ -4211,7 +4375,7 @@
           <p:cNvPr id="2" name="タイトル 1">
             <a:extLst>
               <a:ext uri="{FF2B5EF4-FFF2-40B4-BE49-F238E27FC236}">
-                <a16:creationId xmlns:a16="http://schemas.microsoft.com/office/drawing/2014/main" id="{9B8DC786-5BD3-D117-FAE0-6465C0FF6B1D}"/>
+                <a16:creationId xmlns:a16="http://schemas.microsoft.com/office/drawing/2014/main" id="{1D6E9E7C-9DC3-D6DC-D775-C17B7EF2BC0E}"/>
               </a:ext>
             </a:extLst>
           </p:cNvPr>
@@ -4229,7 +4393,7 @@
           <a:p>
             <a:r>
               <a:rPr kumimoji="1" lang="ja-JP" altLang="en-US" dirty="0"/>
-              <a:t>他の人から寄せられた声</a:t>
+              <a:t>アプリの動画とか再現</a:t>
             </a:r>
           </a:p>
         </p:txBody>
@@ -4239,7 +4403,7 @@
           <p:cNvPr id="3" name="コンテンツ プレースホルダー 2">
             <a:extLst>
               <a:ext uri="{FF2B5EF4-FFF2-40B4-BE49-F238E27FC236}">
-                <a16:creationId xmlns:a16="http://schemas.microsoft.com/office/drawing/2014/main" id="{406E346C-E7C1-96FD-1348-F6D50859E04D}"/>
+                <a16:creationId xmlns:a16="http://schemas.microsoft.com/office/drawing/2014/main" id="{40BDDEC5-CC57-13B2-E7A3-FEFB5FB6148D}"/>
               </a:ext>
             </a:extLst>
           </p:cNvPr>
@@ -4250,19 +4414,59 @@
             <p:ph idx="1"/>
           </p:nvPr>
         </p:nvSpPr>
-        <p:spPr/>
-        <p:txBody>
-          <a:bodyPr/>
-          <a:lstStyle/>
-          <a:p>
-            <a:endParaRPr kumimoji="1" lang="ja-JP" altLang="en-US"/>
-          </a:p>
-        </p:txBody>
-      </p:sp>
+        <p:spPr>
+          <a:xfrm>
+            <a:off x="7307826" y="203302"/>
+            <a:ext cx="4392561" cy="1173214"/>
+          </a:xfrm>
+        </p:spPr>
+        <p:txBody>
+          <a:bodyPr>
+            <a:normAutofit lnSpcReduction="10000"/>
+          </a:bodyPr>
+          <a:lstStyle/>
+          <a:p>
+            <a:r>
+              <a:rPr kumimoji="1" lang="ja-JP" altLang="en-US" dirty="0"/>
+              <a:t>検索からみつけていいな～フォローしちゃおとかいう</a:t>
+            </a:r>
+          </a:p>
+        </p:txBody>
+      </p:sp>
+      <p:pic>
+        <p:nvPicPr>
+          <p:cNvPr id="6" name="図 5">
+            <a:extLst>
+              <a:ext uri="{FF2B5EF4-FFF2-40B4-BE49-F238E27FC236}">
+                <a16:creationId xmlns:a16="http://schemas.microsoft.com/office/drawing/2014/main" id="{98C38E2A-D7F3-D875-3FEB-10C7B61AD159}"/>
+              </a:ext>
+            </a:extLst>
+          </p:cNvPr>
+          <p:cNvPicPr>
+            <a:picLocks noChangeAspect="1"/>
+          </p:cNvPicPr>
+          <p:nvPr/>
+        </p:nvPicPr>
+        <p:blipFill>
+          <a:blip r:embed="rId2"/>
+          <a:stretch>
+            <a:fillRect/>
+          </a:stretch>
+        </p:blipFill>
+        <p:spPr>
+          <a:xfrm>
+            <a:off x="1755109" y="1538339"/>
+            <a:ext cx="8681782" cy="4869446"/>
+          </a:xfrm>
+          <a:prstGeom prst="rect">
+            <a:avLst/>
+          </a:prstGeom>
+        </p:spPr>
+      </p:pic>
     </p:spTree>
     <p:extLst>
       <p:ext uri="{BB962C8B-B14F-4D97-AF65-F5344CB8AC3E}">
-        <p14:creationId xmlns:p14="http://schemas.microsoft.com/office/powerpoint/2010/main" val="3924720001"/>
+        <p14:creationId xmlns:p14="http://schemas.microsoft.com/office/powerpoint/2010/main" val="3655331543"/>
       </p:ext>
     </p:extLst>
   </p:cSld>
@@ -4294,7 +4498,7 @@
           <p:cNvPr id="2" name="タイトル 1">
             <a:extLst>
               <a:ext uri="{FF2B5EF4-FFF2-40B4-BE49-F238E27FC236}">
-                <a16:creationId xmlns:a16="http://schemas.microsoft.com/office/drawing/2014/main" id="{1CA1917A-9579-E4E8-ABB2-4608355CEF02}"/>
+                <a16:creationId xmlns:a16="http://schemas.microsoft.com/office/drawing/2014/main" id="{194A1F59-AD7B-B6B1-70EF-13A36DFCA8D8}"/>
               </a:ext>
             </a:extLst>
           </p:cNvPr>
@@ -4312,53 +4516,57 @@
           <a:p>
             <a:r>
               <a:rPr kumimoji="1" lang="ja-JP" altLang="en-US" dirty="0"/>
-              <a:t>個々人のできたこと、課題</a:t>
-            </a:r>
-            <a:r>
-              <a:rPr kumimoji="1" lang="en-US" altLang="ja-JP" dirty="0"/>
-              <a:t>(</a:t>
-            </a:r>
+              <a:t>あぷりのまとめ</a:t>
+            </a:r>
+          </a:p>
+        </p:txBody>
+      </p:sp>
+      <p:sp>
+        <p:nvSpPr>
+          <p:cNvPr id="3" name="コンテンツ プレースホルダー 2">
+            <a:extLst>
+              <a:ext uri="{FF2B5EF4-FFF2-40B4-BE49-F238E27FC236}">
+                <a16:creationId xmlns:a16="http://schemas.microsoft.com/office/drawing/2014/main" id="{A2E54117-5049-AF4B-D159-FCAA0A9772D9}"/>
+              </a:ext>
+            </a:extLst>
+          </p:cNvPr>
+          <p:cNvSpPr>
+            <a:spLocks noGrp="1"/>
+          </p:cNvSpPr>
+          <p:nvPr>
+            <p:ph idx="1"/>
+          </p:nvPr>
+        </p:nvSpPr>
+        <p:spPr/>
+        <p:txBody>
+          <a:bodyPr/>
+          <a:lstStyle/>
+          <a:p>
             <a:r>
               <a:rPr kumimoji="1" lang="ja-JP" altLang="en-US" dirty="0"/>
-              <a:t>佐藤</a:t>
-            </a:r>
-            <a:r>
-              <a:rPr kumimoji="1" lang="en-US" altLang="ja-JP" dirty="0"/>
-              <a:t>)</a:t>
-            </a:r>
-            <a:endParaRPr kumimoji="1" lang="ja-JP" altLang="en-US" dirty="0"/>
-          </a:p>
-        </p:txBody>
-      </p:sp>
-      <p:sp>
-        <p:nvSpPr>
-          <p:cNvPr id="3" name="コンテンツ プレースホルダー 2">
-            <a:extLst>
-              <a:ext uri="{FF2B5EF4-FFF2-40B4-BE49-F238E27FC236}">
-                <a16:creationId xmlns:a16="http://schemas.microsoft.com/office/drawing/2014/main" id="{2A57E4CC-F15F-DDFC-9A72-BD80CF0C29E9}"/>
-              </a:ext>
-            </a:extLst>
-          </p:cNvPr>
-          <p:cNvSpPr>
-            <a:spLocks noGrp="1"/>
-          </p:cNvSpPr>
-          <p:nvPr>
-            <p:ph idx="1"/>
-          </p:nvPr>
-        </p:nvSpPr>
-        <p:spPr/>
-        <p:txBody>
-          <a:bodyPr/>
-          <a:lstStyle/>
-          <a:p>
-            <a:endParaRPr kumimoji="1" lang="ja-JP" altLang="en-US"/>
+              <a:t>こういう人向け</a:t>
+            </a:r>
+            <a:endParaRPr kumimoji="1" lang="en-US" altLang="ja-JP" dirty="0"/>
+          </a:p>
+          <a:p>
+            <a:r>
+              <a:rPr lang="ja-JP" altLang="en-US" dirty="0"/>
+              <a:t>こういうことができる</a:t>
+            </a:r>
+            <a:endParaRPr lang="en-US" altLang="ja-JP" dirty="0"/>
+          </a:p>
+          <a:p>
+            <a:r>
+              <a:rPr kumimoji="1" lang="ja-JP" altLang="en-US" dirty="0"/>
+              <a:t>こういう改善点がある</a:t>
+            </a:r>
           </a:p>
         </p:txBody>
       </p:sp>
     </p:spTree>
     <p:extLst>
       <p:ext uri="{BB962C8B-B14F-4D97-AF65-F5344CB8AC3E}">
-        <p14:creationId xmlns:p14="http://schemas.microsoft.com/office/powerpoint/2010/main" val="3881820374"/>
+        <p14:creationId xmlns:p14="http://schemas.microsoft.com/office/powerpoint/2010/main" val="1587208940"/>
       </p:ext>
     </p:extLst>
   </p:cSld>
@@ -4390,7 +4598,7 @@
           <p:cNvPr id="2" name="タイトル 1">
             <a:extLst>
               <a:ext uri="{FF2B5EF4-FFF2-40B4-BE49-F238E27FC236}">
-                <a16:creationId xmlns:a16="http://schemas.microsoft.com/office/drawing/2014/main" id="{9B8DC786-5BD3-D117-FAE0-6465C0FF6B1D}"/>
+                <a16:creationId xmlns:a16="http://schemas.microsoft.com/office/drawing/2014/main" id="{6E5E2880-C44F-D8FD-A2E8-5CCF3F68E3DA}"/>
               </a:ext>
             </a:extLst>
           </p:cNvPr>
@@ -4408,7 +4616,7 @@
           <a:p>
             <a:r>
               <a:rPr kumimoji="1" lang="ja-JP" altLang="en-US" dirty="0"/>
-              <a:t>他の人から寄せられた声</a:t>
+              <a:t>グループのできたこととかいいとこと課題</a:t>
             </a:r>
           </a:p>
         </p:txBody>
@@ -4418,7 +4626,7 @@
           <p:cNvPr id="3" name="コンテンツ プレースホルダー 2">
             <a:extLst>
               <a:ext uri="{FF2B5EF4-FFF2-40B4-BE49-F238E27FC236}">
-                <a16:creationId xmlns:a16="http://schemas.microsoft.com/office/drawing/2014/main" id="{406E346C-E7C1-96FD-1348-F6D50859E04D}"/>
+                <a16:creationId xmlns:a16="http://schemas.microsoft.com/office/drawing/2014/main" id="{D4986A1A-9DBC-0F30-369C-D10C7575D91A}"/>
               </a:ext>
             </a:extLst>
           </p:cNvPr>
@@ -4434,14 +4642,38 @@
           <a:bodyPr/>
           <a:lstStyle/>
           <a:p>
-            <a:endParaRPr kumimoji="1" lang="ja-JP" altLang="en-US"/>
+            <a:r>
+              <a:rPr kumimoji="1" lang="ja-JP" altLang="en-US" dirty="0"/>
+              <a:t>あぷりをつくるにあたってグループでこんなことをがんばった</a:t>
+            </a:r>
+            <a:endParaRPr kumimoji="1" lang="en-US" altLang="ja-JP" dirty="0"/>
+          </a:p>
+          <a:p>
+            <a:r>
+              <a:rPr lang="ja-JP" altLang="en-US" dirty="0"/>
+              <a:t>褒めあって自己肯定感を高めながら進めることで、技術力が足りなく感じても挫けず進められた</a:t>
+            </a:r>
+            <a:endParaRPr lang="en-US" altLang="ja-JP" dirty="0"/>
+          </a:p>
+          <a:p>
+            <a:r>
+              <a:rPr lang="ja-JP" altLang="en-US" dirty="0"/>
+              <a:t>田中君の板書貼って講義うけたみたいなことするか</a:t>
+            </a:r>
+            <a:endParaRPr lang="en-US" altLang="ja-JP" dirty="0"/>
+          </a:p>
+          <a:p>
+            <a:r>
+              <a:rPr kumimoji="1" lang="ja-JP" altLang="en-US" dirty="0"/>
+              <a:t>改善点</a:t>
+            </a:r>
           </a:p>
         </p:txBody>
       </p:sp>
     </p:spTree>
     <p:extLst>
       <p:ext uri="{BB962C8B-B14F-4D97-AF65-F5344CB8AC3E}">
-        <p14:creationId xmlns:p14="http://schemas.microsoft.com/office/powerpoint/2010/main" val="267297726"/>
+        <p14:creationId xmlns:p14="http://schemas.microsoft.com/office/powerpoint/2010/main" val="2637855129"/>
       </p:ext>
     </p:extLst>
   </p:cSld>
@@ -4499,7 +4731,7 @@
             </a:r>
             <a:r>
               <a:rPr kumimoji="1" lang="ja-JP" altLang="en-US" dirty="0"/>
-              <a:t>坂本</a:t>
+              <a:t>加藤</a:t>
             </a:r>
             <a:r>
               <a:rPr kumimoji="1" lang="en-US" altLang="ja-JP" dirty="0"/>
@@ -4537,7 +4769,7 @@
     </p:spTree>
     <p:extLst>
       <p:ext uri="{BB962C8B-B14F-4D97-AF65-F5344CB8AC3E}">
-        <p14:creationId xmlns:p14="http://schemas.microsoft.com/office/powerpoint/2010/main" val="2632653798"/>
+        <p14:creationId xmlns:p14="http://schemas.microsoft.com/office/powerpoint/2010/main" val="2061044871"/>
       </p:ext>
     </p:extLst>
   </p:cSld>
@@ -4569,7 +4801,7 @@
           <p:cNvPr id="2" name="タイトル 1">
             <a:extLst>
               <a:ext uri="{FF2B5EF4-FFF2-40B4-BE49-F238E27FC236}">
-                <a16:creationId xmlns:a16="http://schemas.microsoft.com/office/drawing/2014/main" id="{9B8DC786-5BD3-D117-FAE0-6465C0FF6B1D}"/>
+                <a16:creationId xmlns:a16="http://schemas.microsoft.com/office/drawing/2014/main" id="{1CA1917A-9579-E4E8-ABB2-4608355CEF02}"/>
               </a:ext>
             </a:extLst>
           </p:cNvPr>
@@ -4587,8 +4819,21 @@
           <a:p>
             <a:r>
               <a:rPr kumimoji="1" lang="ja-JP" altLang="en-US" dirty="0"/>
-              <a:t>他の人から寄せられた声</a:t>
-            </a:r>
+              <a:t>個々人のできたこと、課題</a:t>
+            </a:r>
+            <a:r>
+              <a:rPr kumimoji="1" lang="en-US" altLang="ja-JP" dirty="0"/>
+              <a:t>(</a:t>
+            </a:r>
+            <a:r>
+              <a:rPr kumimoji="1" lang="ja-JP" altLang="en-US" dirty="0"/>
+              <a:t>田中</a:t>
+            </a:r>
+            <a:r>
+              <a:rPr kumimoji="1" lang="en-US" altLang="ja-JP" dirty="0"/>
+              <a:t>)</a:t>
+            </a:r>
+            <a:endParaRPr kumimoji="1" lang="ja-JP" altLang="en-US" dirty="0"/>
           </a:p>
         </p:txBody>
       </p:sp>
@@ -4597,7 +4842,7 @@
           <p:cNvPr id="3" name="コンテンツ プレースホルダー 2">
             <a:extLst>
               <a:ext uri="{FF2B5EF4-FFF2-40B4-BE49-F238E27FC236}">
-                <a16:creationId xmlns:a16="http://schemas.microsoft.com/office/drawing/2014/main" id="{406E346C-E7C1-96FD-1348-F6D50859E04D}"/>
+                <a16:creationId xmlns:a16="http://schemas.microsoft.com/office/drawing/2014/main" id="{2A57E4CC-F15F-DDFC-9A72-BD80CF0C29E9}"/>
               </a:ext>
             </a:extLst>
           </p:cNvPr>
@@ -4620,7 +4865,7 @@
     </p:spTree>
     <p:extLst>
       <p:ext uri="{BB962C8B-B14F-4D97-AF65-F5344CB8AC3E}">
-        <p14:creationId xmlns:p14="http://schemas.microsoft.com/office/powerpoint/2010/main" val="3514419972"/>
+        <p14:creationId xmlns:p14="http://schemas.microsoft.com/office/powerpoint/2010/main" val="2057658110"/>
       </p:ext>
     </p:extLst>
   </p:cSld>
@@ -4741,6 +4986,294 @@
           <p:cNvPr id="2" name="タイトル 1">
             <a:extLst>
               <a:ext uri="{FF2B5EF4-FFF2-40B4-BE49-F238E27FC236}">
+                <a16:creationId xmlns:a16="http://schemas.microsoft.com/office/drawing/2014/main" id="{1CA1917A-9579-E4E8-ABB2-4608355CEF02}"/>
+              </a:ext>
+            </a:extLst>
+          </p:cNvPr>
+          <p:cNvSpPr>
+            <a:spLocks noGrp="1"/>
+          </p:cNvSpPr>
+          <p:nvPr>
+            <p:ph type="title"/>
+          </p:nvPr>
+        </p:nvSpPr>
+        <p:spPr/>
+        <p:txBody>
+          <a:bodyPr/>
+          <a:lstStyle/>
+          <a:p>
+            <a:r>
+              <a:rPr kumimoji="1" lang="ja-JP" altLang="en-US" dirty="0"/>
+              <a:t>個々人のできたこと、課題</a:t>
+            </a:r>
+            <a:r>
+              <a:rPr kumimoji="1" lang="en-US" altLang="ja-JP" dirty="0"/>
+              <a:t>(</a:t>
+            </a:r>
+            <a:r>
+              <a:rPr kumimoji="1" lang="ja-JP" altLang="en-US" dirty="0"/>
+              <a:t>松野</a:t>
+            </a:r>
+            <a:r>
+              <a:rPr kumimoji="1" lang="en-US" altLang="ja-JP" dirty="0"/>
+              <a:t>)</a:t>
+            </a:r>
+            <a:endParaRPr kumimoji="1" lang="ja-JP" altLang="en-US" dirty="0"/>
+          </a:p>
+        </p:txBody>
+      </p:sp>
+      <p:sp>
+        <p:nvSpPr>
+          <p:cNvPr id="3" name="コンテンツ プレースホルダー 2">
+            <a:extLst>
+              <a:ext uri="{FF2B5EF4-FFF2-40B4-BE49-F238E27FC236}">
+                <a16:creationId xmlns:a16="http://schemas.microsoft.com/office/drawing/2014/main" id="{2A57E4CC-F15F-DDFC-9A72-BD80CF0C29E9}"/>
+              </a:ext>
+            </a:extLst>
+          </p:cNvPr>
+          <p:cNvSpPr>
+            <a:spLocks noGrp="1"/>
+          </p:cNvSpPr>
+          <p:nvPr>
+            <p:ph idx="1"/>
+          </p:nvPr>
+        </p:nvSpPr>
+        <p:spPr/>
+        <p:txBody>
+          <a:bodyPr/>
+          <a:lstStyle/>
+          <a:p>
+            <a:endParaRPr kumimoji="1" lang="ja-JP" altLang="en-US"/>
+          </a:p>
+        </p:txBody>
+      </p:sp>
+    </p:spTree>
+    <p:extLst>
+      <p:ext uri="{BB962C8B-B14F-4D97-AF65-F5344CB8AC3E}">
+        <p14:creationId xmlns:p14="http://schemas.microsoft.com/office/powerpoint/2010/main" val="448971792"/>
+      </p:ext>
+    </p:extLst>
+  </p:cSld>
+  <p:clrMapOvr>
+    <a:masterClrMapping/>
+  </p:clrMapOvr>
+</p:sld>
+</file>
+
+<file path=ppt/slides/slide21.xml><?xml version="1.0" encoding="utf-8"?>
+<p:sld xmlns:a="http://schemas.openxmlformats.org/drawingml/2006/main" xmlns:r="http://schemas.openxmlformats.org/officeDocument/2006/relationships" xmlns:p="http://schemas.openxmlformats.org/presentationml/2006/main">
+  <p:cSld>
+    <p:spTree>
+      <p:nvGrpSpPr>
+        <p:cNvPr id="1" name=""/>
+        <p:cNvGrpSpPr/>
+        <p:nvPr/>
+      </p:nvGrpSpPr>
+      <p:grpSpPr>
+        <a:xfrm>
+          <a:off x="0" y="0"/>
+          <a:ext cx="0" cy="0"/>
+          <a:chOff x="0" y="0"/>
+          <a:chExt cx="0" cy="0"/>
+        </a:xfrm>
+      </p:grpSpPr>
+      <p:sp>
+        <p:nvSpPr>
+          <p:cNvPr id="2" name="タイトル 1">
+            <a:extLst>
+              <a:ext uri="{FF2B5EF4-FFF2-40B4-BE49-F238E27FC236}">
+                <a16:creationId xmlns:a16="http://schemas.microsoft.com/office/drawing/2014/main" id="{1CA1917A-9579-E4E8-ABB2-4608355CEF02}"/>
+              </a:ext>
+            </a:extLst>
+          </p:cNvPr>
+          <p:cNvSpPr>
+            <a:spLocks noGrp="1"/>
+          </p:cNvSpPr>
+          <p:nvPr>
+            <p:ph type="title"/>
+          </p:nvPr>
+        </p:nvSpPr>
+        <p:spPr/>
+        <p:txBody>
+          <a:bodyPr/>
+          <a:lstStyle/>
+          <a:p>
+            <a:r>
+              <a:rPr kumimoji="1" lang="ja-JP" altLang="en-US" dirty="0"/>
+              <a:t>個々人のできたこと、課題</a:t>
+            </a:r>
+            <a:r>
+              <a:rPr kumimoji="1" lang="en-US" altLang="ja-JP" dirty="0"/>
+              <a:t>(</a:t>
+            </a:r>
+            <a:r>
+              <a:rPr kumimoji="1" lang="ja-JP" altLang="en-US" dirty="0"/>
+              <a:t>佐藤</a:t>
+            </a:r>
+            <a:r>
+              <a:rPr kumimoji="1" lang="en-US" altLang="ja-JP" dirty="0"/>
+              <a:t>)</a:t>
+            </a:r>
+            <a:endParaRPr kumimoji="1" lang="ja-JP" altLang="en-US" dirty="0"/>
+          </a:p>
+        </p:txBody>
+      </p:sp>
+      <p:sp>
+        <p:nvSpPr>
+          <p:cNvPr id="3" name="コンテンツ プレースホルダー 2">
+            <a:extLst>
+              <a:ext uri="{FF2B5EF4-FFF2-40B4-BE49-F238E27FC236}">
+                <a16:creationId xmlns:a16="http://schemas.microsoft.com/office/drawing/2014/main" id="{2A57E4CC-F15F-DDFC-9A72-BD80CF0C29E9}"/>
+              </a:ext>
+            </a:extLst>
+          </p:cNvPr>
+          <p:cNvSpPr>
+            <a:spLocks noGrp="1"/>
+          </p:cNvSpPr>
+          <p:nvPr>
+            <p:ph idx="1"/>
+          </p:nvPr>
+        </p:nvSpPr>
+        <p:spPr/>
+        <p:txBody>
+          <a:bodyPr/>
+          <a:lstStyle/>
+          <a:p>
+            <a:endParaRPr kumimoji="1" lang="ja-JP" altLang="en-US"/>
+          </a:p>
+        </p:txBody>
+      </p:sp>
+    </p:spTree>
+    <p:extLst>
+      <p:ext uri="{BB962C8B-B14F-4D97-AF65-F5344CB8AC3E}">
+        <p14:creationId xmlns:p14="http://schemas.microsoft.com/office/powerpoint/2010/main" val="3881820374"/>
+      </p:ext>
+    </p:extLst>
+  </p:cSld>
+  <p:clrMapOvr>
+    <a:masterClrMapping/>
+  </p:clrMapOvr>
+</p:sld>
+</file>
+
+<file path=ppt/slides/slide22.xml><?xml version="1.0" encoding="utf-8"?>
+<p:sld xmlns:a="http://schemas.openxmlformats.org/drawingml/2006/main" xmlns:r="http://schemas.openxmlformats.org/officeDocument/2006/relationships" xmlns:p="http://schemas.openxmlformats.org/presentationml/2006/main">
+  <p:cSld>
+    <p:spTree>
+      <p:nvGrpSpPr>
+        <p:cNvPr id="1" name=""/>
+        <p:cNvGrpSpPr/>
+        <p:nvPr/>
+      </p:nvGrpSpPr>
+      <p:grpSpPr>
+        <a:xfrm>
+          <a:off x="0" y="0"/>
+          <a:ext cx="0" cy="0"/>
+          <a:chOff x="0" y="0"/>
+          <a:chExt cx="0" cy="0"/>
+        </a:xfrm>
+      </p:grpSpPr>
+      <p:sp>
+        <p:nvSpPr>
+          <p:cNvPr id="2" name="タイトル 1">
+            <a:extLst>
+              <a:ext uri="{FF2B5EF4-FFF2-40B4-BE49-F238E27FC236}">
+                <a16:creationId xmlns:a16="http://schemas.microsoft.com/office/drawing/2014/main" id="{1CA1917A-9579-E4E8-ABB2-4608355CEF02}"/>
+              </a:ext>
+            </a:extLst>
+          </p:cNvPr>
+          <p:cNvSpPr>
+            <a:spLocks noGrp="1"/>
+          </p:cNvSpPr>
+          <p:nvPr>
+            <p:ph type="title"/>
+          </p:nvPr>
+        </p:nvSpPr>
+        <p:spPr/>
+        <p:txBody>
+          <a:bodyPr/>
+          <a:lstStyle/>
+          <a:p>
+            <a:r>
+              <a:rPr kumimoji="1" lang="ja-JP" altLang="en-US" dirty="0"/>
+              <a:t>個々人のできたこと、課題</a:t>
+            </a:r>
+            <a:r>
+              <a:rPr kumimoji="1" lang="en-US" altLang="ja-JP" dirty="0"/>
+              <a:t>(</a:t>
+            </a:r>
+            <a:r>
+              <a:rPr kumimoji="1" lang="ja-JP" altLang="en-US" dirty="0"/>
+              <a:t>坂本</a:t>
+            </a:r>
+            <a:r>
+              <a:rPr kumimoji="1" lang="en-US" altLang="ja-JP" dirty="0"/>
+              <a:t>)</a:t>
+            </a:r>
+            <a:endParaRPr kumimoji="1" lang="ja-JP" altLang="en-US" dirty="0"/>
+          </a:p>
+        </p:txBody>
+      </p:sp>
+      <p:sp>
+        <p:nvSpPr>
+          <p:cNvPr id="3" name="コンテンツ プレースホルダー 2">
+            <a:extLst>
+              <a:ext uri="{FF2B5EF4-FFF2-40B4-BE49-F238E27FC236}">
+                <a16:creationId xmlns:a16="http://schemas.microsoft.com/office/drawing/2014/main" id="{2A57E4CC-F15F-DDFC-9A72-BD80CF0C29E9}"/>
+              </a:ext>
+            </a:extLst>
+          </p:cNvPr>
+          <p:cNvSpPr>
+            <a:spLocks noGrp="1"/>
+          </p:cNvSpPr>
+          <p:nvPr>
+            <p:ph idx="1"/>
+          </p:nvPr>
+        </p:nvSpPr>
+        <p:spPr/>
+        <p:txBody>
+          <a:bodyPr/>
+          <a:lstStyle/>
+          <a:p>
+            <a:endParaRPr kumimoji="1" lang="ja-JP" altLang="en-US"/>
+          </a:p>
+        </p:txBody>
+      </p:sp>
+    </p:spTree>
+    <p:extLst>
+      <p:ext uri="{BB962C8B-B14F-4D97-AF65-F5344CB8AC3E}">
+        <p14:creationId xmlns:p14="http://schemas.microsoft.com/office/powerpoint/2010/main" val="2632653798"/>
+      </p:ext>
+    </p:extLst>
+  </p:cSld>
+  <p:clrMapOvr>
+    <a:masterClrMapping/>
+  </p:clrMapOvr>
+</p:sld>
+</file>
+
+<file path=ppt/slides/slide23.xml><?xml version="1.0" encoding="utf-8"?>
+<p:sld xmlns:a="http://schemas.openxmlformats.org/drawingml/2006/main" xmlns:r="http://schemas.openxmlformats.org/officeDocument/2006/relationships" xmlns:p="http://schemas.openxmlformats.org/presentationml/2006/main">
+  <p:cSld>
+    <p:spTree>
+      <p:nvGrpSpPr>
+        <p:cNvPr id="1" name=""/>
+        <p:cNvGrpSpPr/>
+        <p:nvPr/>
+      </p:nvGrpSpPr>
+      <p:grpSpPr>
+        <a:xfrm>
+          <a:off x="0" y="0"/>
+          <a:ext cx="0" cy="0"/>
+          <a:chOff x="0" y="0"/>
+          <a:chExt cx="0" cy="0"/>
+        </a:xfrm>
+      </p:grpSpPr>
+      <p:sp>
+        <p:nvSpPr>
+          <p:cNvPr id="2" name="タイトル 1">
+            <a:extLst>
+              <a:ext uri="{FF2B5EF4-FFF2-40B4-BE49-F238E27FC236}">
                 <a16:creationId xmlns:a16="http://schemas.microsoft.com/office/drawing/2014/main" id="{28709C95-A968-56AB-0948-E52469859543}"/>
               </a:ext>
             </a:extLst>
@@ -4813,7 +5346,7 @@
 </p:sld>
 </file>
 
-<file path=ppt/slides/slide21.xml><?xml version="1.0" encoding="utf-8"?>
+<file path=ppt/slides/slide24.xml><?xml version="1.0" encoding="utf-8"?>
 <p:sld xmlns:a="http://schemas.openxmlformats.org/drawingml/2006/main" xmlns:r="http://schemas.openxmlformats.org/officeDocument/2006/relationships" xmlns:p="http://schemas.openxmlformats.org/presentationml/2006/main">
   <p:cSld>
     <p:spTree>
@@ -5075,7 +5608,12 @@
             <p:ph idx="1"/>
           </p:nvPr>
         </p:nvSpPr>
-        <p:spPr/>
+        <p:spPr>
+          <a:xfrm>
+            <a:off x="5911645" y="264318"/>
+            <a:ext cx="3546987" cy="1527175"/>
+          </a:xfrm>
+        </p:spPr>
         <p:txBody>
           <a:bodyPr/>
           <a:lstStyle/>
@@ -5089,12 +5627,55 @@
           <a:p>
             <a:r>
               <a:rPr lang="ja-JP" altLang="en-US" dirty="0"/>
-              <a:t>こんなことあるよね　みたいな再現</a:t>
-            </a:r>
+              <a:t>こんな人</a:t>
+            </a:r>
+            <a:endParaRPr lang="en-US" altLang="ja-JP" dirty="0"/>
+          </a:p>
+          <a:p>
+            <a:r>
+              <a:rPr kumimoji="1" lang="ja-JP" altLang="en-US" dirty="0"/>
+              <a:t>不満とか満足の話</a:t>
+            </a:r>
+            <a:endParaRPr kumimoji="1" lang="en-US" altLang="ja-JP" dirty="0"/>
+          </a:p>
+          <a:p>
+            <a:endParaRPr kumimoji="1" lang="en-US" altLang="ja-JP" dirty="0"/>
+          </a:p>
+          <a:p>
             <a:endParaRPr kumimoji="1" lang="ja-JP" altLang="en-US" dirty="0"/>
           </a:p>
         </p:txBody>
       </p:sp>
+      <p:pic>
+        <p:nvPicPr>
+          <p:cNvPr id="5" name="図 4">
+            <a:extLst>
+              <a:ext uri="{FF2B5EF4-FFF2-40B4-BE49-F238E27FC236}">
+                <a16:creationId xmlns:a16="http://schemas.microsoft.com/office/drawing/2014/main" id="{643C2D1F-8A03-1D82-2F9C-9B0B016ADE68}"/>
+              </a:ext>
+            </a:extLst>
+          </p:cNvPr>
+          <p:cNvPicPr>
+            <a:picLocks noChangeAspect="1"/>
+          </p:cNvPicPr>
+          <p:nvPr/>
+        </p:nvPicPr>
+        <p:blipFill>
+          <a:blip r:embed="rId2"/>
+          <a:stretch>
+            <a:fillRect/>
+          </a:stretch>
+        </p:blipFill>
+        <p:spPr>
+          <a:xfrm>
+            <a:off x="1480619" y="1791493"/>
+            <a:ext cx="9230762" cy="4701382"/>
+          </a:xfrm>
+          <a:prstGeom prst="rect">
+            <a:avLst/>
+          </a:prstGeom>
+        </p:spPr>
+      </p:pic>
     </p:spTree>
     <p:extLst>
       <p:ext uri="{BB962C8B-B14F-4D97-AF65-F5344CB8AC3E}">
@@ -5170,7 +5751,12 @@
             <p:ph idx="1"/>
           </p:nvPr>
         </p:nvSpPr>
-        <p:spPr/>
+        <p:spPr>
+          <a:xfrm>
+            <a:off x="7740445" y="862064"/>
+            <a:ext cx="2937387" cy="500176"/>
+          </a:xfrm>
+        </p:spPr>
         <p:txBody>
           <a:bodyPr/>
           <a:lstStyle/>
@@ -5181,6 +5767,71 @@
             <a:r>
               <a:rPr kumimoji="1" lang="ja-JP" altLang="en-US" dirty="0"/>
               <a:t>レビュー登録</a:t>
+            </a:r>
+          </a:p>
+        </p:txBody>
+      </p:sp>
+      <p:pic>
+        <p:nvPicPr>
+          <p:cNvPr id="4" name="図 3">
+            <a:extLst>
+              <a:ext uri="{FF2B5EF4-FFF2-40B4-BE49-F238E27FC236}">
+                <a16:creationId xmlns:a16="http://schemas.microsoft.com/office/drawing/2014/main" id="{F5D16F14-DE5F-97AD-6B6D-CC78C5624EA6}"/>
+              </a:ext>
+            </a:extLst>
+          </p:cNvPr>
+          <p:cNvPicPr>
+            <a:picLocks noChangeAspect="1"/>
+          </p:cNvPicPr>
+          <p:nvPr/>
+        </p:nvPicPr>
+        <p:blipFill>
+          <a:blip r:embed="rId2"/>
+          <a:stretch>
+            <a:fillRect/>
+          </a:stretch>
+        </p:blipFill>
+        <p:spPr>
+          <a:xfrm>
+            <a:off x="1701608" y="1615394"/>
+            <a:ext cx="8611802" cy="4877481"/>
+          </a:xfrm>
+          <a:prstGeom prst="rect">
+            <a:avLst/>
+          </a:prstGeom>
+        </p:spPr>
+      </p:pic>
+      <p:sp>
+        <p:nvSpPr>
+          <p:cNvPr id="5" name="テキスト ボックス 4">
+            <a:extLst>
+              <a:ext uri="{FF2B5EF4-FFF2-40B4-BE49-F238E27FC236}">
+                <a16:creationId xmlns:a16="http://schemas.microsoft.com/office/drawing/2014/main" id="{AF03B084-D67A-B8A0-220D-5A2BAE1D1A5F}"/>
+              </a:ext>
+            </a:extLst>
+          </p:cNvPr>
+          <p:cNvSpPr txBox="1"/>
+          <p:nvPr/>
+        </p:nvSpPr>
+        <p:spPr>
+          <a:xfrm rot="9054370">
+            <a:off x="8867233" y="5056304"/>
+            <a:ext cx="2310581" cy="1323439"/>
+          </a:xfrm>
+          <a:prstGeom prst="rect">
+            <a:avLst/>
+          </a:prstGeom>
+          <a:noFill/>
+        </p:spPr>
+        <p:txBody>
+          <a:bodyPr wrap="square" rtlCol="0">
+            <a:spAutoFit/>
+          </a:bodyPr>
+          <a:lstStyle/>
+          <a:p>
+            <a:r>
+              <a:rPr kumimoji="1" lang="ja-JP" altLang="en-US" sz="8000" dirty="0"/>
+              <a:t>→</a:t>
             </a:r>
           </a:p>
         </p:txBody>
@@ -5220,7 +5871,7 @@
           <p:cNvPr id="2" name="タイトル 1">
             <a:extLst>
               <a:ext uri="{FF2B5EF4-FFF2-40B4-BE49-F238E27FC236}">
-                <a16:creationId xmlns:a16="http://schemas.microsoft.com/office/drawing/2014/main" id="{4437791A-2C7E-0904-9699-0B5C3FF303D1}"/>
+                <a16:creationId xmlns:a16="http://schemas.microsoft.com/office/drawing/2014/main" id="{9A84DA0E-67E8-286B-2DC8-0D5123F58DDD}"/>
               </a:ext>
             </a:extLst>
           </p:cNvPr>
@@ -5237,60 +5888,83 @@
           <a:lstStyle/>
           <a:p>
             <a:r>
+              <a:rPr lang="ja-JP" altLang="en-US" dirty="0"/>
+              <a:t>アプリの動画とか再現</a:t>
+            </a:r>
+            <a:endParaRPr kumimoji="1" lang="ja-JP" altLang="en-US" dirty="0"/>
+          </a:p>
+        </p:txBody>
+      </p:sp>
+      <p:sp>
+        <p:nvSpPr>
+          <p:cNvPr id="3" name="コンテンツ プレースホルダー 2">
+            <a:extLst>
+              <a:ext uri="{FF2B5EF4-FFF2-40B4-BE49-F238E27FC236}">
+                <a16:creationId xmlns:a16="http://schemas.microsoft.com/office/drawing/2014/main" id="{FF6B7EEA-E87A-C019-D161-0405451FA7E8}"/>
+              </a:ext>
+            </a:extLst>
+          </p:cNvPr>
+          <p:cNvSpPr>
+            <a:spLocks noGrp="1"/>
+          </p:cNvSpPr>
+          <p:nvPr>
+            <p:ph idx="1"/>
+          </p:nvPr>
+        </p:nvSpPr>
+        <p:spPr>
+          <a:xfrm>
+            <a:off x="7740445" y="862064"/>
+            <a:ext cx="2937387" cy="500176"/>
+          </a:xfrm>
+        </p:spPr>
+        <p:txBody>
+          <a:bodyPr/>
+          <a:lstStyle/>
+          <a:p>
+            <a:pPr marL="0" indent="0">
+              <a:buNone/>
+            </a:pPr>
+            <a:r>
               <a:rPr kumimoji="1" lang="ja-JP" altLang="en-US" dirty="0"/>
-              <a:t>ぺるそな</a:t>
-            </a:r>
-          </a:p>
-        </p:txBody>
-      </p:sp>
-      <p:sp>
-        <p:nvSpPr>
-          <p:cNvPr id="3" name="コンテンツ プレースホルダー 2">
-            <a:extLst>
-              <a:ext uri="{FF2B5EF4-FFF2-40B4-BE49-F238E27FC236}">
-                <a16:creationId xmlns:a16="http://schemas.microsoft.com/office/drawing/2014/main" id="{119AAF3F-BFD0-DBDD-9461-F7ABD76EE960}"/>
-              </a:ext>
-            </a:extLst>
-          </p:cNvPr>
-          <p:cNvSpPr>
-            <a:spLocks noGrp="1"/>
-          </p:cNvSpPr>
-          <p:nvPr>
-            <p:ph idx="1"/>
-          </p:nvPr>
-        </p:nvSpPr>
-        <p:spPr/>
-        <p:txBody>
-          <a:bodyPr/>
-          <a:lstStyle/>
-          <a:p>
-            <a:r>
-              <a:rPr kumimoji="1" lang="ja-JP" altLang="en-US" dirty="0"/>
-              <a:t>でもあんなこともあるなあ　みたいな不満</a:t>
-            </a:r>
-            <a:endParaRPr kumimoji="1" lang="en-US" altLang="ja-JP" dirty="0"/>
-          </a:p>
-          <a:p>
-            <a:r>
-              <a:rPr lang="en-US" altLang="ja-JP" dirty="0"/>
-              <a:t>(</a:t>
-            </a:r>
-            <a:r>
-              <a:rPr lang="ja-JP" altLang="en-US" dirty="0"/>
-              <a:t>なんか酒ないかな～みたいなやつ</a:t>
-            </a:r>
-            <a:r>
-              <a:rPr lang="en-US" altLang="ja-JP" dirty="0"/>
-              <a:t>)</a:t>
-            </a:r>
-            <a:endParaRPr kumimoji="1" lang="ja-JP" altLang="en-US" dirty="0"/>
-          </a:p>
-        </p:txBody>
-      </p:sp>
+              <a:t>レビュー登録</a:t>
+            </a:r>
+          </a:p>
+        </p:txBody>
+      </p:sp>
+      <p:pic>
+        <p:nvPicPr>
+          <p:cNvPr id="6" name="図 5">
+            <a:extLst>
+              <a:ext uri="{FF2B5EF4-FFF2-40B4-BE49-F238E27FC236}">
+                <a16:creationId xmlns:a16="http://schemas.microsoft.com/office/drawing/2014/main" id="{5613EEF4-3EAE-B74E-7E48-437D2B51DE2E}"/>
+              </a:ext>
+            </a:extLst>
+          </p:cNvPr>
+          <p:cNvPicPr>
+            <a:picLocks noChangeAspect="1"/>
+          </p:cNvPicPr>
+          <p:nvPr/>
+        </p:nvPicPr>
+        <p:blipFill>
+          <a:blip r:embed="rId2"/>
+          <a:stretch>
+            <a:fillRect/>
+          </a:stretch>
+        </p:blipFill>
+        <p:spPr>
+          <a:xfrm>
+            <a:off x="1411794" y="1539073"/>
+            <a:ext cx="8971069" cy="5033959"/>
+          </a:xfrm>
+          <a:prstGeom prst="rect">
+            <a:avLst/>
+          </a:prstGeom>
+        </p:spPr>
+      </p:pic>
     </p:spTree>
     <p:extLst>
       <p:ext uri="{BB962C8B-B14F-4D97-AF65-F5344CB8AC3E}">
-        <p14:creationId xmlns:p14="http://schemas.microsoft.com/office/powerpoint/2010/main" val="326907901"/>
+        <p14:creationId xmlns:p14="http://schemas.microsoft.com/office/powerpoint/2010/main" val="3774334698"/>
       </p:ext>
     </p:extLst>
   </p:cSld>
@@ -5322,7 +5996,7 @@
           <p:cNvPr id="2" name="タイトル 1">
             <a:extLst>
               <a:ext uri="{FF2B5EF4-FFF2-40B4-BE49-F238E27FC236}">
-                <a16:creationId xmlns:a16="http://schemas.microsoft.com/office/drawing/2014/main" id="{1D6E9E7C-9DC3-D6DC-D775-C17B7EF2BC0E}"/>
+                <a16:creationId xmlns:a16="http://schemas.microsoft.com/office/drawing/2014/main" id="{4437791A-2C7E-0904-9699-0B5C3FF303D1}"/>
               </a:ext>
             </a:extLst>
           </p:cNvPr>
@@ -5340,7 +6014,7 @@
           <a:p>
             <a:r>
               <a:rPr kumimoji="1" lang="ja-JP" altLang="en-US" dirty="0"/>
-              <a:t>アプリの動画とか再現</a:t>
+              <a:t>ぺるそな</a:t>
             </a:r>
           </a:p>
         </p:txBody>
@@ -5350,7 +6024,7 @@
           <p:cNvPr id="3" name="コンテンツ プレースホルダー 2">
             <a:extLst>
               <a:ext uri="{FF2B5EF4-FFF2-40B4-BE49-F238E27FC236}">
-                <a16:creationId xmlns:a16="http://schemas.microsoft.com/office/drawing/2014/main" id="{40BDDEC5-CC57-13B2-E7A3-FEFB5FB6148D}"/>
+                <a16:creationId xmlns:a16="http://schemas.microsoft.com/office/drawing/2014/main" id="{119AAF3F-BFD0-DBDD-9461-F7ABD76EE960}"/>
               </a:ext>
             </a:extLst>
           </p:cNvPr>
@@ -5361,22 +6035,49 @@
             <p:ph idx="1"/>
           </p:nvPr>
         </p:nvSpPr>
-        <p:spPr/>
-        <p:txBody>
-          <a:bodyPr/>
-          <a:lstStyle/>
-          <a:p>
+        <p:spPr>
+          <a:xfrm>
+            <a:off x="995515" y="2050639"/>
+            <a:ext cx="8826910" cy="1705283"/>
+          </a:xfrm>
+        </p:spPr>
+        <p:txBody>
+          <a:bodyPr>
+            <a:normAutofit/>
+          </a:bodyPr>
+          <a:lstStyle/>
+          <a:p>
+            <a:r>
+              <a:rPr lang="ja-JP" altLang="en-US" dirty="0"/>
+              <a:t>いろんな知らないやつしりたいなあ</a:t>
+            </a:r>
             <a:r>
               <a:rPr kumimoji="1" lang="ja-JP" altLang="en-US" dirty="0"/>
-              <a:t>検索</a:t>
-            </a:r>
+              <a:t>　みたいな不満</a:t>
+            </a:r>
+            <a:endParaRPr kumimoji="1" lang="en-US" altLang="ja-JP" dirty="0"/>
+          </a:p>
+          <a:p>
+            <a:r>
+              <a:rPr lang="en-US" altLang="ja-JP" dirty="0"/>
+              <a:t>(</a:t>
+            </a:r>
+            <a:r>
+              <a:rPr lang="ja-JP" altLang="en-US" dirty="0"/>
+              <a:t>なんか酒ないかな～みたいなやつ</a:t>
+            </a:r>
+            <a:r>
+              <a:rPr lang="en-US" altLang="ja-JP" dirty="0"/>
+              <a:t>)</a:t>
+            </a:r>
+            <a:endParaRPr kumimoji="1" lang="ja-JP" altLang="en-US" dirty="0"/>
           </a:p>
         </p:txBody>
       </p:sp>
     </p:spTree>
     <p:extLst>
       <p:ext uri="{BB962C8B-B14F-4D97-AF65-F5344CB8AC3E}">
-        <p14:creationId xmlns:p14="http://schemas.microsoft.com/office/powerpoint/2010/main" val="288046091"/>
+        <p14:creationId xmlns:p14="http://schemas.microsoft.com/office/powerpoint/2010/main" val="326907901"/>
       </p:ext>
     </p:extLst>
   </p:cSld>
@@ -5408,7 +6109,7 @@
           <p:cNvPr id="2" name="タイトル 1">
             <a:extLst>
               <a:ext uri="{FF2B5EF4-FFF2-40B4-BE49-F238E27FC236}">
-                <a16:creationId xmlns:a16="http://schemas.microsoft.com/office/drawing/2014/main" id="{194A1F59-AD7B-B6B1-70EF-13A36DFCA8D8}"/>
+                <a16:creationId xmlns:a16="http://schemas.microsoft.com/office/drawing/2014/main" id="{1D6E9E7C-9DC3-D6DC-D775-C17B7EF2BC0E}"/>
               </a:ext>
             </a:extLst>
           </p:cNvPr>
@@ -5426,7 +6127,7 @@
           <a:p>
             <a:r>
               <a:rPr kumimoji="1" lang="ja-JP" altLang="en-US" dirty="0"/>
-              <a:t>あぷりのまとめ</a:t>
+              <a:t>アプリの動画とか再現</a:t>
             </a:r>
           </a:p>
         </p:txBody>
@@ -5436,7 +6137,7 @@
           <p:cNvPr id="3" name="コンテンツ プレースホルダー 2">
             <a:extLst>
               <a:ext uri="{FF2B5EF4-FFF2-40B4-BE49-F238E27FC236}">
-                <a16:creationId xmlns:a16="http://schemas.microsoft.com/office/drawing/2014/main" id="{A2E54117-5049-AF4B-D159-FCAA0A9772D9}"/>
+                <a16:creationId xmlns:a16="http://schemas.microsoft.com/office/drawing/2014/main" id="{40BDDEC5-CC57-13B2-E7A3-FEFB5FB6148D}"/>
               </a:ext>
             </a:extLst>
           </p:cNvPr>
@@ -5447,36 +6148,57 @@
             <p:ph idx="1"/>
           </p:nvPr>
         </p:nvSpPr>
-        <p:spPr/>
+        <p:spPr>
+          <a:xfrm>
+            <a:off x="8212394" y="517934"/>
+            <a:ext cx="1501877" cy="809420"/>
+          </a:xfrm>
+        </p:spPr>
         <p:txBody>
           <a:bodyPr/>
           <a:lstStyle/>
           <a:p>
             <a:r>
               <a:rPr kumimoji="1" lang="ja-JP" altLang="en-US" dirty="0"/>
-              <a:t>こういう人向け</a:t>
-            </a:r>
-            <a:endParaRPr kumimoji="1" lang="en-US" altLang="ja-JP" dirty="0"/>
-          </a:p>
-          <a:p>
-            <a:r>
-              <a:rPr lang="ja-JP" altLang="en-US" dirty="0"/>
-              <a:t>こういうことができる</a:t>
-            </a:r>
-            <a:endParaRPr lang="en-US" altLang="ja-JP" dirty="0"/>
-          </a:p>
-          <a:p>
-            <a:r>
-              <a:rPr kumimoji="1" lang="ja-JP" altLang="en-US" dirty="0"/>
-              <a:t>こういう改善点がある</a:t>
-            </a:r>
-          </a:p>
-        </p:txBody>
-      </p:sp>
+              <a:t>検索</a:t>
+            </a:r>
+          </a:p>
+        </p:txBody>
+      </p:sp>
+      <p:pic>
+        <p:nvPicPr>
+          <p:cNvPr id="5" name="図 4">
+            <a:extLst>
+              <a:ext uri="{FF2B5EF4-FFF2-40B4-BE49-F238E27FC236}">
+                <a16:creationId xmlns:a16="http://schemas.microsoft.com/office/drawing/2014/main" id="{0036B05B-1DE7-011D-AF00-97BC1D2FAB98}"/>
+              </a:ext>
+            </a:extLst>
+          </p:cNvPr>
+          <p:cNvPicPr>
+            <a:picLocks noChangeAspect="1"/>
+          </p:cNvPicPr>
+          <p:nvPr/>
+        </p:nvPicPr>
+        <p:blipFill>
+          <a:blip r:embed="rId2"/>
+          <a:stretch>
+            <a:fillRect/>
+          </a:stretch>
+        </p:blipFill>
+        <p:spPr>
+          <a:xfrm>
+            <a:off x="1504233" y="1355481"/>
+            <a:ext cx="9183533" cy="5188099"/>
+          </a:xfrm>
+          <a:prstGeom prst="rect">
+            <a:avLst/>
+          </a:prstGeom>
+        </p:spPr>
+      </p:pic>
     </p:spTree>
     <p:extLst>
       <p:ext uri="{BB962C8B-B14F-4D97-AF65-F5344CB8AC3E}">
-        <p14:creationId xmlns:p14="http://schemas.microsoft.com/office/powerpoint/2010/main" val="1587208940"/>
+        <p14:creationId xmlns:p14="http://schemas.microsoft.com/office/powerpoint/2010/main" val="288046091"/>
       </p:ext>
     </p:extLst>
   </p:cSld>
@@ -5508,7 +6230,7 @@
           <p:cNvPr id="2" name="タイトル 1">
             <a:extLst>
               <a:ext uri="{FF2B5EF4-FFF2-40B4-BE49-F238E27FC236}">
-                <a16:creationId xmlns:a16="http://schemas.microsoft.com/office/drawing/2014/main" id="{6E5E2880-C44F-D8FD-A2E8-5CCF3F68E3DA}"/>
+                <a16:creationId xmlns:a16="http://schemas.microsoft.com/office/drawing/2014/main" id="{1D6E9E7C-9DC3-D6DC-D775-C17B7EF2BC0E}"/>
               </a:ext>
             </a:extLst>
           </p:cNvPr>
@@ -5526,7 +6248,7 @@
           <a:p>
             <a:r>
               <a:rPr kumimoji="1" lang="ja-JP" altLang="en-US" dirty="0"/>
-              <a:t>グループのできたことと課題</a:t>
+              <a:t>アプリの動画とか再現</a:t>
             </a:r>
           </a:p>
         </p:txBody>
@@ -5536,7 +6258,7 @@
           <p:cNvPr id="3" name="コンテンツ プレースホルダー 2">
             <a:extLst>
               <a:ext uri="{FF2B5EF4-FFF2-40B4-BE49-F238E27FC236}">
-                <a16:creationId xmlns:a16="http://schemas.microsoft.com/office/drawing/2014/main" id="{D4986A1A-9DBC-0F30-369C-D10C7575D91A}"/>
+                <a16:creationId xmlns:a16="http://schemas.microsoft.com/office/drawing/2014/main" id="{40BDDEC5-CC57-13B2-E7A3-FEFB5FB6148D}"/>
               </a:ext>
             </a:extLst>
           </p:cNvPr>
@@ -5547,36 +6269,57 @@
             <p:ph idx="1"/>
           </p:nvPr>
         </p:nvSpPr>
-        <p:spPr/>
+        <p:spPr>
+          <a:xfrm>
+            <a:off x="8212394" y="517934"/>
+            <a:ext cx="1501877" cy="809420"/>
+          </a:xfrm>
+        </p:spPr>
         <p:txBody>
           <a:bodyPr/>
           <a:lstStyle/>
           <a:p>
             <a:r>
               <a:rPr kumimoji="1" lang="ja-JP" altLang="en-US" dirty="0"/>
-              <a:t>あぷりをつくるにあたってグループでこんなことをがんばった</a:t>
-            </a:r>
-            <a:endParaRPr kumimoji="1" lang="en-US" altLang="ja-JP" dirty="0"/>
-          </a:p>
-          <a:p>
-            <a:r>
-              <a:rPr lang="ja-JP" altLang="en-US" dirty="0"/>
-              <a:t>田中君の板書貼って講義うけたみたいなことするか</a:t>
-            </a:r>
-            <a:endParaRPr lang="en-US" altLang="ja-JP" dirty="0"/>
-          </a:p>
-          <a:p>
-            <a:r>
-              <a:rPr kumimoji="1" lang="ja-JP" altLang="en-US" dirty="0"/>
-              <a:t>改善点</a:t>
-            </a:r>
-          </a:p>
-        </p:txBody>
-      </p:sp>
+              <a:t>検索</a:t>
+            </a:r>
+          </a:p>
+        </p:txBody>
+      </p:sp>
+      <p:pic>
+        <p:nvPicPr>
+          <p:cNvPr id="6" name="図 5">
+            <a:extLst>
+              <a:ext uri="{FF2B5EF4-FFF2-40B4-BE49-F238E27FC236}">
+                <a16:creationId xmlns:a16="http://schemas.microsoft.com/office/drawing/2014/main" id="{99492A48-79DE-31DD-C7FB-3F2EFD6F7469}"/>
+              </a:ext>
+            </a:extLst>
+          </p:cNvPr>
+          <p:cNvPicPr>
+            <a:picLocks noChangeAspect="1"/>
+          </p:cNvPicPr>
+          <p:nvPr/>
+        </p:nvPicPr>
+        <p:blipFill>
+          <a:blip r:embed="rId2"/>
+          <a:stretch>
+            <a:fillRect/>
+          </a:stretch>
+        </p:blipFill>
+        <p:spPr>
+          <a:xfrm>
+            <a:off x="1469361" y="1327354"/>
+            <a:ext cx="9253278" cy="5280667"/>
+          </a:xfrm>
+          <a:prstGeom prst="rect">
+            <a:avLst/>
+          </a:prstGeom>
+        </p:spPr>
+      </p:pic>
     </p:spTree>
     <p:extLst>
       <p:ext uri="{BB962C8B-B14F-4D97-AF65-F5344CB8AC3E}">
-        <p14:creationId xmlns:p14="http://schemas.microsoft.com/office/powerpoint/2010/main" val="2637855129"/>
+        <p14:creationId xmlns:p14="http://schemas.microsoft.com/office/powerpoint/2010/main" val="2573928707"/>
       </p:ext>
     </p:extLst>
   </p:cSld>

--- a/doc/発表資料/発表資料.pptx
+++ b/doc/発表資料/発表資料.pptx
@@ -4,31 +4,35 @@
   <p:sldMasterIdLst>
     <p:sldMasterId id="2147483648" r:id="rId1"/>
   </p:sldMasterIdLst>
+  <p:notesMasterIdLst>
+    <p:notesMasterId r:id="rId27"/>
+  </p:notesMasterIdLst>
   <p:sldIdLst>
     <p:sldId id="256" r:id="rId2"/>
     <p:sldId id="257" r:id="rId3"/>
     <p:sldId id="258" r:id="rId4"/>
     <p:sldId id="259" r:id="rId5"/>
-    <p:sldId id="260" r:id="rId6"/>
-    <p:sldId id="277" r:id="rId7"/>
-    <p:sldId id="261" r:id="rId8"/>
-    <p:sldId id="262" r:id="rId9"/>
-    <p:sldId id="279" r:id="rId10"/>
-    <p:sldId id="278" r:id="rId11"/>
-    <p:sldId id="281" r:id="rId12"/>
-    <p:sldId id="280" r:id="rId13"/>
-    <p:sldId id="282" r:id="rId14"/>
-    <p:sldId id="283" r:id="rId15"/>
-    <p:sldId id="284" r:id="rId16"/>
-    <p:sldId id="263" r:id="rId17"/>
-    <p:sldId id="264" r:id="rId18"/>
+    <p:sldId id="285" r:id="rId6"/>
+    <p:sldId id="260" r:id="rId7"/>
+    <p:sldId id="277" r:id="rId8"/>
+    <p:sldId id="261" r:id="rId9"/>
+    <p:sldId id="262" r:id="rId10"/>
+    <p:sldId id="279" r:id="rId11"/>
+    <p:sldId id="278" r:id="rId12"/>
+    <p:sldId id="281" r:id="rId13"/>
+    <p:sldId id="280" r:id="rId14"/>
+    <p:sldId id="282" r:id="rId15"/>
+    <p:sldId id="283" r:id="rId16"/>
+    <p:sldId id="284" r:id="rId17"/>
+    <p:sldId id="263" r:id="rId18"/>
     <p:sldId id="265" r:id="rId19"/>
     <p:sldId id="266" r:id="rId20"/>
     <p:sldId id="267" r:id="rId21"/>
     <p:sldId id="268" r:id="rId22"/>
     <p:sldId id="269" r:id="rId23"/>
-    <p:sldId id="275" r:id="rId24"/>
-    <p:sldId id="276" r:id="rId25"/>
+    <p:sldId id="264" r:id="rId24"/>
+    <p:sldId id="275" r:id="rId25"/>
+    <p:sldId id="276" r:id="rId26"/>
   </p:sldIdLst>
   <p:sldSz cx="12192000" cy="6858000"/>
   <p:notesSz cx="6858000" cy="9144000"/>
@@ -133,6 +137,832 @@
     </p:ext>
   </p:extLst>
 </p:presentation>
+</file>
+
+<file path=ppt/notesMasters/notesMaster1.xml><?xml version="1.0" encoding="utf-8"?>
+<p:notesMaster xmlns:a="http://schemas.openxmlformats.org/drawingml/2006/main" xmlns:r="http://schemas.openxmlformats.org/officeDocument/2006/relationships" xmlns:p="http://schemas.openxmlformats.org/presentationml/2006/main">
+  <p:cSld>
+    <p:bg>
+      <p:bgRef idx="1001">
+        <a:schemeClr val="bg1"/>
+      </p:bgRef>
+    </p:bg>
+    <p:spTree>
+      <p:nvGrpSpPr>
+        <p:cNvPr id="1" name=""/>
+        <p:cNvGrpSpPr/>
+        <p:nvPr/>
+      </p:nvGrpSpPr>
+      <p:grpSpPr>
+        <a:xfrm>
+          <a:off x="0" y="0"/>
+          <a:ext cx="0" cy="0"/>
+          <a:chOff x="0" y="0"/>
+          <a:chExt cx="0" cy="0"/>
+        </a:xfrm>
+      </p:grpSpPr>
+      <p:sp>
+        <p:nvSpPr>
+          <p:cNvPr id="2" name="ヘッダー プレースホルダー 1"/>
+          <p:cNvSpPr>
+            <a:spLocks noGrp="1"/>
+          </p:cNvSpPr>
+          <p:nvPr>
+            <p:ph type="hdr" sz="quarter"/>
+          </p:nvPr>
+        </p:nvSpPr>
+        <p:spPr>
+          <a:xfrm>
+            <a:off x="0" y="0"/>
+            <a:ext cx="2971800" cy="458788"/>
+          </a:xfrm>
+          <a:prstGeom prst="rect">
+            <a:avLst/>
+          </a:prstGeom>
+        </p:spPr>
+        <p:txBody>
+          <a:bodyPr vert="horz" lIns="91440" tIns="45720" rIns="91440" bIns="45720" rtlCol="0"/>
+          <a:lstStyle>
+            <a:lvl1pPr algn="l">
+              <a:defRPr sz="1200"/>
+            </a:lvl1pPr>
+          </a:lstStyle>
+          <a:p>
+            <a:endParaRPr kumimoji="1" lang="ja-JP" altLang="en-US"/>
+          </a:p>
+        </p:txBody>
+      </p:sp>
+      <p:sp>
+        <p:nvSpPr>
+          <p:cNvPr id="3" name="日付プレースホルダー 2"/>
+          <p:cNvSpPr>
+            <a:spLocks noGrp="1"/>
+          </p:cNvSpPr>
+          <p:nvPr>
+            <p:ph type="dt" idx="1"/>
+          </p:nvPr>
+        </p:nvSpPr>
+        <p:spPr>
+          <a:xfrm>
+            <a:off x="3884613" y="0"/>
+            <a:ext cx="2971800" cy="458788"/>
+          </a:xfrm>
+          <a:prstGeom prst="rect">
+            <a:avLst/>
+          </a:prstGeom>
+        </p:spPr>
+        <p:txBody>
+          <a:bodyPr vert="horz" lIns="91440" tIns="45720" rIns="91440" bIns="45720" rtlCol="0"/>
+          <a:lstStyle>
+            <a:lvl1pPr algn="r">
+              <a:defRPr sz="1200"/>
+            </a:lvl1pPr>
+          </a:lstStyle>
+          <a:p>
+            <a:fld id="{703FAB4D-F30D-4FF2-AAE4-B0589B8C219D}" type="datetimeFigureOut">
+              <a:rPr kumimoji="1" lang="ja-JP" altLang="en-US" smtClean="0"/>
+              <a:t>2024/6/21</a:t>
+            </a:fld>
+            <a:endParaRPr kumimoji="1" lang="ja-JP" altLang="en-US"/>
+          </a:p>
+        </p:txBody>
+      </p:sp>
+      <p:sp>
+        <p:nvSpPr>
+          <p:cNvPr id="4" name="スライド イメージ プレースホルダー 3"/>
+          <p:cNvSpPr>
+            <a:spLocks noGrp="1" noRot="1" noChangeAspect="1"/>
+          </p:cNvSpPr>
+          <p:nvPr>
+            <p:ph type="sldImg" idx="2"/>
+          </p:nvPr>
+        </p:nvSpPr>
+        <p:spPr>
+          <a:xfrm>
+            <a:off x="685800" y="1143000"/>
+            <a:ext cx="5486400" cy="3086100"/>
+          </a:xfrm>
+          <a:prstGeom prst="rect">
+            <a:avLst/>
+          </a:prstGeom>
+          <a:noFill/>
+          <a:ln w="12700">
+            <a:solidFill>
+              <a:prstClr val="black"/>
+            </a:solidFill>
+          </a:ln>
+        </p:spPr>
+        <p:txBody>
+          <a:bodyPr vert="horz" lIns="91440" tIns="45720" rIns="91440" bIns="45720" rtlCol="0" anchor="ctr"/>
+          <a:lstStyle/>
+          <a:p>
+            <a:endParaRPr lang="ja-JP" altLang="en-US"/>
+          </a:p>
+        </p:txBody>
+      </p:sp>
+      <p:sp>
+        <p:nvSpPr>
+          <p:cNvPr id="5" name="ノート プレースホルダー 4"/>
+          <p:cNvSpPr>
+            <a:spLocks noGrp="1"/>
+          </p:cNvSpPr>
+          <p:nvPr>
+            <p:ph type="body" sz="quarter" idx="3"/>
+          </p:nvPr>
+        </p:nvSpPr>
+        <p:spPr>
+          <a:xfrm>
+            <a:off x="685800" y="4400550"/>
+            <a:ext cx="5486400" cy="3600450"/>
+          </a:xfrm>
+          <a:prstGeom prst="rect">
+            <a:avLst/>
+          </a:prstGeom>
+        </p:spPr>
+        <p:txBody>
+          <a:bodyPr vert="horz" lIns="91440" tIns="45720" rIns="91440" bIns="45720" rtlCol="0"/>
+          <a:lstStyle/>
+          <a:p>
+            <a:pPr lvl="0"/>
+            <a:r>
+              <a:rPr kumimoji="1" lang="ja-JP" altLang="en-US"/>
+              <a:t>マスター テキストの書式設定</a:t>
+            </a:r>
+          </a:p>
+          <a:p>
+            <a:pPr lvl="1"/>
+            <a:r>
+              <a:rPr kumimoji="1" lang="ja-JP" altLang="en-US"/>
+              <a:t>第 </a:t>
+            </a:r>
+            <a:r>
+              <a:rPr kumimoji="1" lang="en-US" altLang="ja-JP"/>
+              <a:t>2 </a:t>
+            </a:r>
+            <a:r>
+              <a:rPr kumimoji="1" lang="ja-JP" altLang="en-US"/>
+              <a:t>レベル</a:t>
+            </a:r>
+          </a:p>
+          <a:p>
+            <a:pPr lvl="2"/>
+            <a:r>
+              <a:rPr kumimoji="1" lang="ja-JP" altLang="en-US"/>
+              <a:t>第 </a:t>
+            </a:r>
+            <a:r>
+              <a:rPr kumimoji="1" lang="en-US" altLang="ja-JP"/>
+              <a:t>3 </a:t>
+            </a:r>
+            <a:r>
+              <a:rPr kumimoji="1" lang="ja-JP" altLang="en-US"/>
+              <a:t>レベル</a:t>
+            </a:r>
+          </a:p>
+          <a:p>
+            <a:pPr lvl="3"/>
+            <a:r>
+              <a:rPr kumimoji="1" lang="ja-JP" altLang="en-US"/>
+              <a:t>第 </a:t>
+            </a:r>
+            <a:r>
+              <a:rPr kumimoji="1" lang="en-US" altLang="ja-JP"/>
+              <a:t>4 </a:t>
+            </a:r>
+            <a:r>
+              <a:rPr kumimoji="1" lang="ja-JP" altLang="en-US"/>
+              <a:t>レベル</a:t>
+            </a:r>
+          </a:p>
+          <a:p>
+            <a:pPr lvl="4"/>
+            <a:r>
+              <a:rPr kumimoji="1" lang="ja-JP" altLang="en-US"/>
+              <a:t>第 </a:t>
+            </a:r>
+            <a:r>
+              <a:rPr kumimoji="1" lang="en-US" altLang="ja-JP"/>
+              <a:t>5 </a:t>
+            </a:r>
+            <a:r>
+              <a:rPr kumimoji="1" lang="ja-JP" altLang="en-US"/>
+              <a:t>レベル</a:t>
+            </a:r>
+          </a:p>
+        </p:txBody>
+      </p:sp>
+      <p:sp>
+        <p:nvSpPr>
+          <p:cNvPr id="6" name="フッター プレースホルダー 5"/>
+          <p:cNvSpPr>
+            <a:spLocks noGrp="1"/>
+          </p:cNvSpPr>
+          <p:nvPr>
+            <p:ph type="ftr" sz="quarter" idx="4"/>
+          </p:nvPr>
+        </p:nvSpPr>
+        <p:spPr>
+          <a:xfrm>
+            <a:off x="0" y="8685213"/>
+            <a:ext cx="2971800" cy="458787"/>
+          </a:xfrm>
+          <a:prstGeom prst="rect">
+            <a:avLst/>
+          </a:prstGeom>
+        </p:spPr>
+        <p:txBody>
+          <a:bodyPr vert="horz" lIns="91440" tIns="45720" rIns="91440" bIns="45720" rtlCol="0" anchor="b"/>
+          <a:lstStyle>
+            <a:lvl1pPr algn="l">
+              <a:defRPr sz="1200"/>
+            </a:lvl1pPr>
+          </a:lstStyle>
+          <a:p>
+            <a:endParaRPr kumimoji="1" lang="ja-JP" altLang="en-US"/>
+          </a:p>
+        </p:txBody>
+      </p:sp>
+      <p:sp>
+        <p:nvSpPr>
+          <p:cNvPr id="7" name="スライド番号プレースホルダー 6"/>
+          <p:cNvSpPr>
+            <a:spLocks noGrp="1"/>
+          </p:cNvSpPr>
+          <p:nvPr>
+            <p:ph type="sldNum" sz="quarter" idx="5"/>
+          </p:nvPr>
+        </p:nvSpPr>
+        <p:spPr>
+          <a:xfrm>
+            <a:off x="3884613" y="8685213"/>
+            <a:ext cx="2971800" cy="458787"/>
+          </a:xfrm>
+          <a:prstGeom prst="rect">
+            <a:avLst/>
+          </a:prstGeom>
+        </p:spPr>
+        <p:txBody>
+          <a:bodyPr vert="horz" lIns="91440" tIns="45720" rIns="91440" bIns="45720" rtlCol="0" anchor="b"/>
+          <a:lstStyle>
+            <a:lvl1pPr algn="r">
+              <a:defRPr sz="1200"/>
+            </a:lvl1pPr>
+          </a:lstStyle>
+          <a:p>
+            <a:fld id="{FBF3F086-7684-4AEF-97CF-1F797240DE4C}" type="slidenum">
+              <a:rPr kumimoji="1" lang="ja-JP" altLang="en-US" smtClean="0"/>
+              <a:t>‹#›</a:t>
+            </a:fld>
+            <a:endParaRPr kumimoji="1" lang="ja-JP" altLang="en-US"/>
+          </a:p>
+        </p:txBody>
+      </p:sp>
+    </p:spTree>
+    <p:extLst>
+      <p:ext uri="{BB962C8B-B14F-4D97-AF65-F5344CB8AC3E}">
+        <p14:creationId xmlns:p14="http://schemas.microsoft.com/office/powerpoint/2010/main" val="1237204570"/>
+      </p:ext>
+    </p:extLst>
+  </p:cSld>
+  <p:clrMap bg1="lt1" tx1="dk1" bg2="lt2" tx2="dk2" accent1="accent1" accent2="accent2" accent3="accent3" accent4="accent4" accent5="accent5" accent6="accent6" hlink="hlink" folHlink="folHlink"/>
+  <p:notesStyle>
+    <a:lvl1pPr marL="0" algn="l" defTabSz="914400" rtl="0" eaLnBrk="1" latinLnBrk="0" hangingPunct="1">
+      <a:defRPr kumimoji="1" sz="1200" kern="1200">
+        <a:solidFill>
+          <a:schemeClr val="tx1"/>
+        </a:solidFill>
+        <a:latin typeface="+mn-lt"/>
+        <a:ea typeface="+mn-ea"/>
+        <a:cs typeface="+mn-cs"/>
+      </a:defRPr>
+    </a:lvl1pPr>
+    <a:lvl2pPr marL="457200" algn="l" defTabSz="914400" rtl="0" eaLnBrk="1" latinLnBrk="0" hangingPunct="1">
+      <a:defRPr kumimoji="1" sz="1200" kern="1200">
+        <a:solidFill>
+          <a:schemeClr val="tx1"/>
+        </a:solidFill>
+        <a:latin typeface="+mn-lt"/>
+        <a:ea typeface="+mn-ea"/>
+        <a:cs typeface="+mn-cs"/>
+      </a:defRPr>
+    </a:lvl2pPr>
+    <a:lvl3pPr marL="914400" algn="l" defTabSz="914400" rtl="0" eaLnBrk="1" latinLnBrk="0" hangingPunct="1">
+      <a:defRPr kumimoji="1" sz="1200" kern="1200">
+        <a:solidFill>
+          <a:schemeClr val="tx1"/>
+        </a:solidFill>
+        <a:latin typeface="+mn-lt"/>
+        <a:ea typeface="+mn-ea"/>
+        <a:cs typeface="+mn-cs"/>
+      </a:defRPr>
+    </a:lvl3pPr>
+    <a:lvl4pPr marL="1371600" algn="l" defTabSz="914400" rtl="0" eaLnBrk="1" latinLnBrk="0" hangingPunct="1">
+      <a:defRPr kumimoji="1" sz="1200" kern="1200">
+        <a:solidFill>
+          <a:schemeClr val="tx1"/>
+        </a:solidFill>
+        <a:latin typeface="+mn-lt"/>
+        <a:ea typeface="+mn-ea"/>
+        <a:cs typeface="+mn-cs"/>
+      </a:defRPr>
+    </a:lvl4pPr>
+    <a:lvl5pPr marL="1828800" algn="l" defTabSz="914400" rtl="0" eaLnBrk="1" latinLnBrk="0" hangingPunct="1">
+      <a:defRPr kumimoji="1" sz="1200" kern="1200">
+        <a:solidFill>
+          <a:schemeClr val="tx1"/>
+        </a:solidFill>
+        <a:latin typeface="+mn-lt"/>
+        <a:ea typeface="+mn-ea"/>
+        <a:cs typeface="+mn-cs"/>
+      </a:defRPr>
+    </a:lvl5pPr>
+    <a:lvl6pPr marL="2286000" algn="l" defTabSz="914400" rtl="0" eaLnBrk="1" latinLnBrk="0" hangingPunct="1">
+      <a:defRPr kumimoji="1" sz="1200" kern="1200">
+        <a:solidFill>
+          <a:schemeClr val="tx1"/>
+        </a:solidFill>
+        <a:latin typeface="+mn-lt"/>
+        <a:ea typeface="+mn-ea"/>
+        <a:cs typeface="+mn-cs"/>
+      </a:defRPr>
+    </a:lvl6pPr>
+    <a:lvl7pPr marL="2743200" algn="l" defTabSz="914400" rtl="0" eaLnBrk="1" latinLnBrk="0" hangingPunct="1">
+      <a:defRPr kumimoji="1" sz="1200" kern="1200">
+        <a:solidFill>
+          <a:schemeClr val="tx1"/>
+        </a:solidFill>
+        <a:latin typeface="+mn-lt"/>
+        <a:ea typeface="+mn-ea"/>
+        <a:cs typeface="+mn-cs"/>
+      </a:defRPr>
+    </a:lvl7pPr>
+    <a:lvl8pPr marL="3200400" algn="l" defTabSz="914400" rtl="0" eaLnBrk="1" latinLnBrk="0" hangingPunct="1">
+      <a:defRPr kumimoji="1" sz="1200" kern="1200">
+        <a:solidFill>
+          <a:schemeClr val="tx1"/>
+        </a:solidFill>
+        <a:latin typeface="+mn-lt"/>
+        <a:ea typeface="+mn-ea"/>
+        <a:cs typeface="+mn-cs"/>
+      </a:defRPr>
+    </a:lvl8pPr>
+    <a:lvl9pPr marL="3657600" algn="l" defTabSz="914400" rtl="0" eaLnBrk="1" latinLnBrk="0" hangingPunct="1">
+      <a:defRPr kumimoji="1" sz="1200" kern="1200">
+        <a:solidFill>
+          <a:schemeClr val="tx1"/>
+        </a:solidFill>
+        <a:latin typeface="+mn-lt"/>
+        <a:ea typeface="+mn-ea"/>
+        <a:cs typeface="+mn-cs"/>
+      </a:defRPr>
+    </a:lvl9pPr>
+  </p:notesStyle>
+</p:notesMaster>
+</file>
+
+<file path=ppt/notesSlides/notesSlide1.xml><?xml version="1.0" encoding="utf-8"?>
+<p:notes xmlns:a="http://schemas.openxmlformats.org/drawingml/2006/main" xmlns:r="http://schemas.openxmlformats.org/officeDocument/2006/relationships" xmlns:p="http://schemas.openxmlformats.org/presentationml/2006/main">
+  <p:cSld>
+    <p:spTree>
+      <p:nvGrpSpPr>
+        <p:cNvPr id="1" name=""/>
+        <p:cNvGrpSpPr/>
+        <p:nvPr/>
+      </p:nvGrpSpPr>
+      <p:grpSpPr>
+        <a:xfrm>
+          <a:off x="0" y="0"/>
+          <a:ext cx="0" cy="0"/>
+          <a:chOff x="0" y="0"/>
+          <a:chExt cx="0" cy="0"/>
+        </a:xfrm>
+      </p:grpSpPr>
+      <p:sp>
+        <p:nvSpPr>
+          <p:cNvPr id="2" name="スライド イメージ プレースホルダー 1"/>
+          <p:cNvSpPr>
+            <a:spLocks noGrp="1" noRot="1" noChangeAspect="1"/>
+          </p:cNvSpPr>
+          <p:nvPr>
+            <p:ph type="sldImg"/>
+          </p:nvPr>
+        </p:nvSpPr>
+        <p:spPr/>
+      </p:sp>
+      <p:sp>
+        <p:nvSpPr>
+          <p:cNvPr id="3" name="ノート プレースホルダー 2"/>
+          <p:cNvSpPr>
+            <a:spLocks noGrp="1"/>
+          </p:cNvSpPr>
+          <p:nvPr>
+            <p:ph type="body" idx="1"/>
+          </p:nvPr>
+        </p:nvSpPr>
+        <p:spPr/>
+        <p:txBody>
+          <a:bodyPr/>
+          <a:lstStyle/>
+          <a:p>
+            <a:r>
+              <a:rPr kumimoji="1" lang="ja-JP" altLang="en-US" dirty="0"/>
+              <a:t>話は変わりまして、お酒は好きか？</a:t>
+            </a:r>
+            <a:endParaRPr kumimoji="1" lang="en-US" altLang="ja-JP" dirty="0"/>
+          </a:p>
+          <a:p>
+            <a:r>
+              <a:rPr kumimoji="1" lang="ja-JP" altLang="en-US" dirty="0"/>
+              <a:t>見ての通り私は好きなんですけど、みなさん今まで飲んだお酒の中で一番おいしかったもの、あの時飲んだあのお酒、覚えていますか？</a:t>
+            </a:r>
+            <a:endParaRPr kumimoji="1" lang="en-US" altLang="ja-JP" dirty="0"/>
+          </a:p>
+          <a:p>
+            <a:r>
+              <a:rPr kumimoji="1" lang="ja-JP" altLang="en-US" dirty="0"/>
+              <a:t>なーんか、おいしかったけどあのお酒の名前なんだったっけ？ってときありませんか？</a:t>
+            </a:r>
+            <a:endParaRPr kumimoji="1" lang="en-US" altLang="ja-JP" dirty="0"/>
+          </a:p>
+          <a:p>
+            <a:r>
+              <a:rPr kumimoji="1" lang="ja-JP" altLang="en-US" dirty="0"/>
+              <a:t>そんな時に！このアプリ→</a:t>
+            </a:r>
+            <a:endParaRPr kumimoji="1" lang="en-US" altLang="ja-JP" dirty="0"/>
+          </a:p>
+        </p:txBody>
+      </p:sp>
+      <p:sp>
+        <p:nvSpPr>
+          <p:cNvPr id="4" name="スライド番号プレースホルダー 3"/>
+          <p:cNvSpPr>
+            <a:spLocks noGrp="1"/>
+          </p:cNvSpPr>
+          <p:nvPr>
+            <p:ph type="sldNum" sz="quarter" idx="5"/>
+          </p:nvPr>
+        </p:nvSpPr>
+        <p:spPr/>
+        <p:txBody>
+          <a:bodyPr/>
+          <a:lstStyle/>
+          <a:p>
+            <a:fld id="{FBF3F086-7684-4AEF-97CF-1F797240DE4C}" type="slidenum">
+              <a:rPr kumimoji="1" lang="ja-JP" altLang="en-US" smtClean="0"/>
+              <a:t>4</a:t>
+            </a:fld>
+            <a:endParaRPr kumimoji="1" lang="ja-JP" altLang="en-US"/>
+          </a:p>
+        </p:txBody>
+      </p:sp>
+    </p:spTree>
+    <p:extLst>
+      <p:ext uri="{BB962C8B-B14F-4D97-AF65-F5344CB8AC3E}">
+        <p14:creationId xmlns:p14="http://schemas.microsoft.com/office/powerpoint/2010/main" val="1323190865"/>
+      </p:ext>
+    </p:extLst>
+  </p:cSld>
+  <p:clrMapOvr>
+    <a:masterClrMapping/>
+  </p:clrMapOvr>
+</p:notes>
+</file>
+
+<file path=ppt/notesSlides/notesSlide2.xml><?xml version="1.0" encoding="utf-8"?>
+<p:notes xmlns:a="http://schemas.openxmlformats.org/drawingml/2006/main" xmlns:r="http://schemas.openxmlformats.org/officeDocument/2006/relationships" xmlns:p="http://schemas.openxmlformats.org/presentationml/2006/main">
+  <p:cSld>
+    <p:spTree>
+      <p:nvGrpSpPr>
+        <p:cNvPr id="1" name=""/>
+        <p:cNvGrpSpPr/>
+        <p:nvPr/>
+      </p:nvGrpSpPr>
+      <p:grpSpPr>
+        <a:xfrm>
+          <a:off x="0" y="0"/>
+          <a:ext cx="0" cy="0"/>
+          <a:chOff x="0" y="0"/>
+          <a:chExt cx="0" cy="0"/>
+        </a:xfrm>
+      </p:grpSpPr>
+      <p:sp>
+        <p:nvSpPr>
+          <p:cNvPr id="2" name="スライド イメージ プレースホルダー 1"/>
+          <p:cNvSpPr>
+            <a:spLocks noGrp="1" noRot="1" noChangeAspect="1"/>
+          </p:cNvSpPr>
+          <p:nvPr>
+            <p:ph type="sldImg"/>
+          </p:nvPr>
+        </p:nvSpPr>
+        <p:spPr/>
+      </p:sp>
+      <p:sp>
+        <p:nvSpPr>
+          <p:cNvPr id="3" name="ノート プレースホルダー 2"/>
+          <p:cNvSpPr>
+            <a:spLocks noGrp="1"/>
+          </p:cNvSpPr>
+          <p:nvPr>
+            <p:ph type="body" idx="1"/>
+          </p:nvPr>
+        </p:nvSpPr>
+        <p:spPr/>
+        <p:txBody>
+          <a:bodyPr/>
+          <a:lstStyle/>
+          <a:p>
+            <a:endParaRPr kumimoji="1" lang="ja-JP" altLang="en-US" dirty="0"/>
+          </a:p>
+        </p:txBody>
+      </p:sp>
+      <p:sp>
+        <p:nvSpPr>
+          <p:cNvPr id="4" name="スライド番号プレースホルダー 3"/>
+          <p:cNvSpPr>
+            <a:spLocks noGrp="1"/>
+          </p:cNvSpPr>
+          <p:nvPr>
+            <p:ph type="sldNum" sz="quarter" idx="5"/>
+          </p:nvPr>
+        </p:nvSpPr>
+        <p:spPr/>
+        <p:txBody>
+          <a:bodyPr/>
+          <a:lstStyle/>
+          <a:p>
+            <a:fld id="{FBF3F086-7684-4AEF-97CF-1F797240DE4C}" type="slidenum">
+              <a:rPr kumimoji="1" lang="ja-JP" altLang="en-US" smtClean="0"/>
+              <a:t>5</a:t>
+            </a:fld>
+            <a:endParaRPr kumimoji="1" lang="ja-JP" altLang="en-US"/>
+          </a:p>
+        </p:txBody>
+      </p:sp>
+    </p:spTree>
+    <p:extLst>
+      <p:ext uri="{BB962C8B-B14F-4D97-AF65-F5344CB8AC3E}">
+        <p14:creationId xmlns:p14="http://schemas.microsoft.com/office/powerpoint/2010/main" val="3702670635"/>
+      </p:ext>
+    </p:extLst>
+  </p:cSld>
+  <p:clrMapOvr>
+    <a:masterClrMapping/>
+  </p:clrMapOvr>
+</p:notes>
+</file>
+
+<file path=ppt/notesSlides/notesSlide3.xml><?xml version="1.0" encoding="utf-8"?>
+<p:notes xmlns:a="http://schemas.openxmlformats.org/drawingml/2006/main" xmlns:r="http://schemas.openxmlformats.org/officeDocument/2006/relationships" xmlns:p="http://schemas.openxmlformats.org/presentationml/2006/main">
+  <p:cSld>
+    <p:spTree>
+      <p:nvGrpSpPr>
+        <p:cNvPr id="1" name=""/>
+        <p:cNvGrpSpPr/>
+        <p:nvPr/>
+      </p:nvGrpSpPr>
+      <p:grpSpPr>
+        <a:xfrm>
+          <a:off x="0" y="0"/>
+          <a:ext cx="0" cy="0"/>
+          <a:chOff x="0" y="0"/>
+          <a:chExt cx="0" cy="0"/>
+        </a:xfrm>
+      </p:grpSpPr>
+      <p:sp>
+        <p:nvSpPr>
+          <p:cNvPr id="2" name="スライド イメージ プレースホルダー 1"/>
+          <p:cNvSpPr>
+            <a:spLocks noGrp="1" noRot="1" noChangeAspect="1"/>
+          </p:cNvSpPr>
+          <p:nvPr>
+            <p:ph type="sldImg"/>
+          </p:nvPr>
+        </p:nvSpPr>
+        <p:spPr/>
+      </p:sp>
+      <p:sp>
+        <p:nvSpPr>
+          <p:cNvPr id="3" name="ノート プレースホルダー 2"/>
+          <p:cNvSpPr>
+            <a:spLocks noGrp="1"/>
+          </p:cNvSpPr>
+          <p:nvPr>
+            <p:ph type="body" idx="1"/>
+          </p:nvPr>
+        </p:nvSpPr>
+        <p:spPr/>
+        <p:txBody>
+          <a:bodyPr/>
+          <a:lstStyle/>
+          <a:p>
+            <a:endParaRPr kumimoji="1" lang="ja-JP" altLang="en-US" dirty="0"/>
+          </a:p>
+        </p:txBody>
+      </p:sp>
+      <p:sp>
+        <p:nvSpPr>
+          <p:cNvPr id="4" name="スライド番号プレースホルダー 3"/>
+          <p:cNvSpPr>
+            <a:spLocks noGrp="1"/>
+          </p:cNvSpPr>
+          <p:nvPr>
+            <p:ph type="sldNum" sz="quarter" idx="5"/>
+          </p:nvPr>
+        </p:nvSpPr>
+        <p:spPr/>
+        <p:txBody>
+          <a:bodyPr/>
+          <a:lstStyle/>
+          <a:p>
+            <a:fld id="{FBF3F086-7684-4AEF-97CF-1F797240DE4C}" type="slidenum">
+              <a:rPr kumimoji="1" lang="ja-JP" altLang="en-US" smtClean="0"/>
+              <a:t>18</a:t>
+            </a:fld>
+            <a:endParaRPr kumimoji="1" lang="ja-JP" altLang="en-US"/>
+          </a:p>
+        </p:txBody>
+      </p:sp>
+    </p:spTree>
+    <p:extLst>
+      <p:ext uri="{BB962C8B-B14F-4D97-AF65-F5344CB8AC3E}">
+        <p14:creationId xmlns:p14="http://schemas.microsoft.com/office/powerpoint/2010/main" val="1238708988"/>
+      </p:ext>
+    </p:extLst>
+  </p:cSld>
+  <p:clrMapOvr>
+    <a:masterClrMapping/>
+  </p:clrMapOvr>
+</p:notes>
+</file>
+
+<file path=ppt/notesSlides/notesSlide4.xml><?xml version="1.0" encoding="utf-8"?>
+<p:notes xmlns:a="http://schemas.openxmlformats.org/drawingml/2006/main" xmlns:r="http://schemas.openxmlformats.org/officeDocument/2006/relationships" xmlns:p="http://schemas.openxmlformats.org/presentationml/2006/main">
+  <p:cSld>
+    <p:spTree>
+      <p:nvGrpSpPr>
+        <p:cNvPr id="1" name=""/>
+        <p:cNvGrpSpPr/>
+        <p:nvPr/>
+      </p:nvGrpSpPr>
+      <p:grpSpPr>
+        <a:xfrm>
+          <a:off x="0" y="0"/>
+          <a:ext cx="0" cy="0"/>
+          <a:chOff x="0" y="0"/>
+          <a:chExt cx="0" cy="0"/>
+        </a:xfrm>
+      </p:grpSpPr>
+      <p:sp>
+        <p:nvSpPr>
+          <p:cNvPr id="2" name="スライド イメージ プレースホルダー 1"/>
+          <p:cNvSpPr>
+            <a:spLocks noGrp="1" noRot="1" noChangeAspect="1"/>
+          </p:cNvSpPr>
+          <p:nvPr>
+            <p:ph type="sldImg"/>
+          </p:nvPr>
+        </p:nvSpPr>
+        <p:spPr/>
+      </p:sp>
+      <p:sp>
+        <p:nvSpPr>
+          <p:cNvPr id="3" name="ノート プレースホルダー 2"/>
+          <p:cNvSpPr>
+            <a:spLocks noGrp="1"/>
+          </p:cNvSpPr>
+          <p:nvPr>
+            <p:ph type="body" idx="1"/>
+          </p:nvPr>
+        </p:nvSpPr>
+        <p:spPr/>
+        <p:txBody>
+          <a:bodyPr/>
+          <a:lstStyle/>
+          <a:p>
+            <a:endParaRPr kumimoji="1" lang="ja-JP" altLang="en-US" dirty="0"/>
+          </a:p>
+        </p:txBody>
+      </p:sp>
+      <p:sp>
+        <p:nvSpPr>
+          <p:cNvPr id="4" name="スライド番号プレースホルダー 3"/>
+          <p:cNvSpPr>
+            <a:spLocks noGrp="1"/>
+          </p:cNvSpPr>
+          <p:nvPr>
+            <p:ph type="sldNum" sz="quarter" idx="5"/>
+          </p:nvPr>
+        </p:nvSpPr>
+        <p:spPr/>
+        <p:txBody>
+          <a:bodyPr/>
+          <a:lstStyle/>
+          <a:p>
+            <a:fld id="{FBF3F086-7684-4AEF-97CF-1F797240DE4C}" type="slidenum">
+              <a:rPr kumimoji="1" lang="ja-JP" altLang="en-US" smtClean="0"/>
+              <a:t>21</a:t>
+            </a:fld>
+            <a:endParaRPr kumimoji="1" lang="ja-JP" altLang="en-US"/>
+          </a:p>
+        </p:txBody>
+      </p:sp>
+    </p:spTree>
+    <p:extLst>
+      <p:ext uri="{BB962C8B-B14F-4D97-AF65-F5344CB8AC3E}">
+        <p14:creationId xmlns:p14="http://schemas.microsoft.com/office/powerpoint/2010/main" val="702137245"/>
+      </p:ext>
+    </p:extLst>
+  </p:cSld>
+  <p:clrMapOvr>
+    <a:masterClrMapping/>
+  </p:clrMapOvr>
+</p:notes>
+</file>
+
+<file path=ppt/notesSlides/notesSlide5.xml><?xml version="1.0" encoding="utf-8"?>
+<p:notes xmlns:a="http://schemas.openxmlformats.org/drawingml/2006/main" xmlns:r="http://schemas.openxmlformats.org/officeDocument/2006/relationships" xmlns:p="http://schemas.openxmlformats.org/presentationml/2006/main">
+  <p:cSld>
+    <p:spTree>
+      <p:nvGrpSpPr>
+        <p:cNvPr id="1" name=""/>
+        <p:cNvGrpSpPr/>
+        <p:nvPr/>
+      </p:nvGrpSpPr>
+      <p:grpSpPr>
+        <a:xfrm>
+          <a:off x="0" y="0"/>
+          <a:ext cx="0" cy="0"/>
+          <a:chOff x="0" y="0"/>
+          <a:chExt cx="0" cy="0"/>
+        </a:xfrm>
+      </p:grpSpPr>
+      <p:sp>
+        <p:nvSpPr>
+          <p:cNvPr id="2" name="スライド イメージ プレースホルダー 1"/>
+          <p:cNvSpPr>
+            <a:spLocks noGrp="1" noRot="1" noChangeAspect="1"/>
+          </p:cNvSpPr>
+          <p:nvPr>
+            <p:ph type="sldImg"/>
+          </p:nvPr>
+        </p:nvSpPr>
+        <p:spPr/>
+      </p:sp>
+      <p:sp>
+        <p:nvSpPr>
+          <p:cNvPr id="3" name="ノート プレースホルダー 2"/>
+          <p:cNvSpPr>
+            <a:spLocks noGrp="1"/>
+          </p:cNvSpPr>
+          <p:nvPr>
+            <p:ph type="body" idx="1"/>
+          </p:nvPr>
+        </p:nvSpPr>
+        <p:spPr/>
+        <p:txBody>
+          <a:bodyPr/>
+          <a:lstStyle/>
+          <a:p>
+            <a:endParaRPr kumimoji="1" lang="ja-JP" altLang="en-US" dirty="0"/>
+          </a:p>
+        </p:txBody>
+      </p:sp>
+      <p:sp>
+        <p:nvSpPr>
+          <p:cNvPr id="4" name="スライド番号プレースホルダー 3"/>
+          <p:cNvSpPr>
+            <a:spLocks noGrp="1"/>
+          </p:cNvSpPr>
+          <p:nvPr>
+            <p:ph type="sldNum" sz="quarter" idx="5"/>
+          </p:nvPr>
+        </p:nvSpPr>
+        <p:spPr/>
+        <p:txBody>
+          <a:bodyPr/>
+          <a:lstStyle/>
+          <a:p>
+            <a:fld id="{FBF3F086-7684-4AEF-97CF-1F797240DE4C}" type="slidenum">
+              <a:rPr kumimoji="1" lang="ja-JP" altLang="en-US" smtClean="0"/>
+              <a:t>23</a:t>
+            </a:fld>
+            <a:endParaRPr kumimoji="1" lang="ja-JP" altLang="en-US"/>
+          </a:p>
+        </p:txBody>
+      </p:sp>
+    </p:spTree>
+    <p:extLst>
+      <p:ext uri="{BB962C8B-B14F-4D97-AF65-F5344CB8AC3E}">
+        <p14:creationId xmlns:p14="http://schemas.microsoft.com/office/powerpoint/2010/main" val="3542948384"/>
+      </p:ext>
+    </p:extLst>
+  </p:cSld>
+  <p:clrMapOvr>
+    <a:masterClrMapping/>
+  </p:clrMapOvr>
+</p:notes>
 </file>
 
 <file path=ppt/slideLayouts/slideLayout1.xml><?xml version="1.0" encoding="utf-8"?>
@@ -3801,6 +4631,127 @@
         </p:nvSpPr>
         <p:spPr>
           <a:xfrm>
+            <a:off x="8212394" y="517934"/>
+            <a:ext cx="1501877" cy="809420"/>
+          </a:xfrm>
+        </p:spPr>
+        <p:txBody>
+          <a:bodyPr/>
+          <a:lstStyle/>
+          <a:p>
+            <a:r>
+              <a:rPr kumimoji="1" lang="ja-JP" altLang="en-US" dirty="0"/>
+              <a:t>検索</a:t>
+            </a:r>
+          </a:p>
+        </p:txBody>
+      </p:sp>
+      <p:pic>
+        <p:nvPicPr>
+          <p:cNvPr id="6" name="図 5">
+            <a:extLst>
+              <a:ext uri="{FF2B5EF4-FFF2-40B4-BE49-F238E27FC236}">
+                <a16:creationId xmlns:a16="http://schemas.microsoft.com/office/drawing/2014/main" id="{99492A48-79DE-31DD-C7FB-3F2EFD6F7469}"/>
+              </a:ext>
+            </a:extLst>
+          </p:cNvPr>
+          <p:cNvPicPr>
+            <a:picLocks noChangeAspect="1"/>
+          </p:cNvPicPr>
+          <p:nvPr/>
+        </p:nvPicPr>
+        <p:blipFill>
+          <a:blip r:embed="rId2"/>
+          <a:stretch>
+            <a:fillRect/>
+          </a:stretch>
+        </p:blipFill>
+        <p:spPr>
+          <a:xfrm>
+            <a:off x="1469361" y="1327354"/>
+            <a:ext cx="9253278" cy="5280667"/>
+          </a:xfrm>
+          <a:prstGeom prst="rect">
+            <a:avLst/>
+          </a:prstGeom>
+        </p:spPr>
+      </p:pic>
+    </p:spTree>
+    <p:extLst>
+      <p:ext uri="{BB962C8B-B14F-4D97-AF65-F5344CB8AC3E}">
+        <p14:creationId xmlns:p14="http://schemas.microsoft.com/office/powerpoint/2010/main" val="2573928707"/>
+      </p:ext>
+    </p:extLst>
+  </p:cSld>
+  <p:clrMapOvr>
+    <a:masterClrMapping/>
+  </p:clrMapOvr>
+</p:sld>
+</file>
+
+<file path=ppt/slides/slide11.xml><?xml version="1.0" encoding="utf-8"?>
+<p:sld xmlns:a="http://schemas.openxmlformats.org/drawingml/2006/main" xmlns:r="http://schemas.openxmlformats.org/officeDocument/2006/relationships" xmlns:p="http://schemas.openxmlformats.org/presentationml/2006/main">
+  <p:cSld>
+    <p:spTree>
+      <p:nvGrpSpPr>
+        <p:cNvPr id="1" name=""/>
+        <p:cNvGrpSpPr/>
+        <p:nvPr/>
+      </p:nvGrpSpPr>
+      <p:grpSpPr>
+        <a:xfrm>
+          <a:off x="0" y="0"/>
+          <a:ext cx="0" cy="0"/>
+          <a:chOff x="0" y="0"/>
+          <a:chExt cx="0" cy="0"/>
+        </a:xfrm>
+      </p:grpSpPr>
+      <p:sp>
+        <p:nvSpPr>
+          <p:cNvPr id="2" name="タイトル 1">
+            <a:extLst>
+              <a:ext uri="{FF2B5EF4-FFF2-40B4-BE49-F238E27FC236}">
+                <a16:creationId xmlns:a16="http://schemas.microsoft.com/office/drawing/2014/main" id="{1D6E9E7C-9DC3-D6DC-D775-C17B7EF2BC0E}"/>
+              </a:ext>
+            </a:extLst>
+          </p:cNvPr>
+          <p:cNvSpPr>
+            <a:spLocks noGrp="1"/>
+          </p:cNvSpPr>
+          <p:nvPr>
+            <p:ph type="title"/>
+          </p:nvPr>
+        </p:nvSpPr>
+        <p:spPr/>
+        <p:txBody>
+          <a:bodyPr/>
+          <a:lstStyle/>
+          <a:p>
+            <a:r>
+              <a:rPr kumimoji="1" lang="ja-JP" altLang="en-US" dirty="0"/>
+              <a:t>アプリの動画とか再現</a:t>
+            </a:r>
+          </a:p>
+        </p:txBody>
+      </p:sp>
+      <p:sp>
+        <p:nvSpPr>
+          <p:cNvPr id="3" name="コンテンツ プレースホルダー 2">
+            <a:extLst>
+              <a:ext uri="{FF2B5EF4-FFF2-40B4-BE49-F238E27FC236}">
+                <a16:creationId xmlns:a16="http://schemas.microsoft.com/office/drawing/2014/main" id="{40BDDEC5-CC57-13B2-E7A3-FEFB5FB6148D}"/>
+              </a:ext>
+            </a:extLst>
+          </p:cNvPr>
+          <p:cNvSpPr>
+            <a:spLocks noGrp="1"/>
+          </p:cNvSpPr>
+          <p:nvPr>
+            <p:ph idx="1"/>
+          </p:nvPr>
+        </p:nvSpPr>
+        <p:spPr>
+          <a:xfrm>
             <a:off x="7307826" y="203302"/>
             <a:ext cx="4392561" cy="1173214"/>
           </a:xfrm>
@@ -3861,7 +4812,7 @@
 </p:sld>
 </file>
 
-<file path=ppt/slides/slide11.xml><?xml version="1.0" encoding="utf-8"?>
+<file path=ppt/slides/slide12.xml><?xml version="1.0" encoding="utf-8"?>
 <p:sld xmlns:a="http://schemas.openxmlformats.org/drawingml/2006/main" xmlns:r="http://schemas.openxmlformats.org/officeDocument/2006/relationships" xmlns:p="http://schemas.openxmlformats.org/presentationml/2006/main">
   <p:cSld>
     <p:spTree>
@@ -3984,7 +4935,7 @@
 </p:sld>
 </file>
 
-<file path=ppt/slides/slide12.xml><?xml version="1.0" encoding="utf-8"?>
+<file path=ppt/slides/slide13.xml><?xml version="1.0" encoding="utf-8"?>
 <p:sld xmlns:a="http://schemas.openxmlformats.org/drawingml/2006/main" xmlns:r="http://schemas.openxmlformats.org/officeDocument/2006/relationships" xmlns:p="http://schemas.openxmlformats.org/presentationml/2006/main">
   <p:cSld>
     <p:spTree>
@@ -4107,7 +5058,7 @@
 </p:sld>
 </file>
 
-<file path=ppt/slides/slide13.xml><?xml version="1.0" encoding="utf-8"?>
+<file path=ppt/slides/slide14.xml><?xml version="1.0" encoding="utf-8"?>
 <p:sld xmlns:a="http://schemas.openxmlformats.org/drawingml/2006/main" xmlns:r="http://schemas.openxmlformats.org/officeDocument/2006/relationships" xmlns:p="http://schemas.openxmlformats.org/presentationml/2006/main">
   <p:cSld>
     <p:spTree>
@@ -4230,7 +5181,7 @@
 </p:sld>
 </file>
 
-<file path=ppt/slides/slide14.xml><?xml version="1.0" encoding="utf-8"?>
+<file path=ppt/slides/slide15.xml><?xml version="1.0" encoding="utf-8"?>
 <p:sld xmlns:a="http://schemas.openxmlformats.org/drawingml/2006/main" xmlns:r="http://schemas.openxmlformats.org/officeDocument/2006/relationships" xmlns:p="http://schemas.openxmlformats.org/presentationml/2006/main">
   <p:cSld>
     <p:spTree>
@@ -4353,7 +5304,7 @@
 </p:sld>
 </file>
 
-<file path=ppt/slides/slide15.xml><?xml version="1.0" encoding="utf-8"?>
+<file path=ppt/slides/slide16.xml><?xml version="1.0" encoding="utf-8"?>
 <p:sld xmlns:a="http://schemas.openxmlformats.org/drawingml/2006/main" xmlns:r="http://schemas.openxmlformats.org/officeDocument/2006/relationships" xmlns:p="http://schemas.openxmlformats.org/presentationml/2006/main">
   <p:cSld>
     <p:spTree>
@@ -4476,106 +5427,6 @@
 </p:sld>
 </file>
 
-<file path=ppt/slides/slide16.xml><?xml version="1.0" encoding="utf-8"?>
-<p:sld xmlns:a="http://schemas.openxmlformats.org/drawingml/2006/main" xmlns:r="http://schemas.openxmlformats.org/officeDocument/2006/relationships" xmlns:p="http://schemas.openxmlformats.org/presentationml/2006/main">
-  <p:cSld>
-    <p:spTree>
-      <p:nvGrpSpPr>
-        <p:cNvPr id="1" name=""/>
-        <p:cNvGrpSpPr/>
-        <p:nvPr/>
-      </p:nvGrpSpPr>
-      <p:grpSpPr>
-        <a:xfrm>
-          <a:off x="0" y="0"/>
-          <a:ext cx="0" cy="0"/>
-          <a:chOff x="0" y="0"/>
-          <a:chExt cx="0" cy="0"/>
-        </a:xfrm>
-      </p:grpSpPr>
-      <p:sp>
-        <p:nvSpPr>
-          <p:cNvPr id="2" name="タイトル 1">
-            <a:extLst>
-              <a:ext uri="{FF2B5EF4-FFF2-40B4-BE49-F238E27FC236}">
-                <a16:creationId xmlns:a16="http://schemas.microsoft.com/office/drawing/2014/main" id="{194A1F59-AD7B-B6B1-70EF-13A36DFCA8D8}"/>
-              </a:ext>
-            </a:extLst>
-          </p:cNvPr>
-          <p:cNvSpPr>
-            <a:spLocks noGrp="1"/>
-          </p:cNvSpPr>
-          <p:nvPr>
-            <p:ph type="title"/>
-          </p:nvPr>
-        </p:nvSpPr>
-        <p:spPr/>
-        <p:txBody>
-          <a:bodyPr/>
-          <a:lstStyle/>
-          <a:p>
-            <a:r>
-              <a:rPr kumimoji="1" lang="ja-JP" altLang="en-US" dirty="0"/>
-              <a:t>あぷりのまとめ</a:t>
-            </a:r>
-          </a:p>
-        </p:txBody>
-      </p:sp>
-      <p:sp>
-        <p:nvSpPr>
-          <p:cNvPr id="3" name="コンテンツ プレースホルダー 2">
-            <a:extLst>
-              <a:ext uri="{FF2B5EF4-FFF2-40B4-BE49-F238E27FC236}">
-                <a16:creationId xmlns:a16="http://schemas.microsoft.com/office/drawing/2014/main" id="{A2E54117-5049-AF4B-D159-FCAA0A9772D9}"/>
-              </a:ext>
-            </a:extLst>
-          </p:cNvPr>
-          <p:cNvSpPr>
-            <a:spLocks noGrp="1"/>
-          </p:cNvSpPr>
-          <p:nvPr>
-            <p:ph idx="1"/>
-          </p:nvPr>
-        </p:nvSpPr>
-        <p:spPr/>
-        <p:txBody>
-          <a:bodyPr/>
-          <a:lstStyle/>
-          <a:p>
-            <a:r>
-              <a:rPr kumimoji="1" lang="ja-JP" altLang="en-US" dirty="0"/>
-              <a:t>こういう人向け</a:t>
-            </a:r>
-            <a:endParaRPr kumimoji="1" lang="en-US" altLang="ja-JP" dirty="0"/>
-          </a:p>
-          <a:p>
-            <a:r>
-              <a:rPr lang="ja-JP" altLang="en-US" dirty="0"/>
-              <a:t>こういうことができる</a:t>
-            </a:r>
-            <a:endParaRPr lang="en-US" altLang="ja-JP" dirty="0"/>
-          </a:p>
-          <a:p>
-            <a:r>
-              <a:rPr kumimoji="1" lang="ja-JP" altLang="en-US" dirty="0"/>
-              <a:t>こういう改善点がある</a:t>
-            </a:r>
-          </a:p>
-        </p:txBody>
-      </p:sp>
-    </p:spTree>
-    <p:extLst>
-      <p:ext uri="{BB962C8B-B14F-4D97-AF65-F5344CB8AC3E}">
-        <p14:creationId xmlns:p14="http://schemas.microsoft.com/office/powerpoint/2010/main" val="1587208940"/>
-      </p:ext>
-    </p:extLst>
-  </p:cSld>
-  <p:clrMapOvr>
-    <a:masterClrMapping/>
-  </p:clrMapOvr>
-</p:sld>
-</file>
-
 <file path=ppt/slides/slide17.xml><?xml version="1.0" encoding="utf-8"?>
 <p:sld xmlns:a="http://schemas.openxmlformats.org/drawingml/2006/main" xmlns:r="http://schemas.openxmlformats.org/officeDocument/2006/relationships" xmlns:p="http://schemas.openxmlformats.org/presentationml/2006/main">
   <p:cSld>
@@ -4598,7 +5449,7 @@
           <p:cNvPr id="2" name="タイトル 1">
             <a:extLst>
               <a:ext uri="{FF2B5EF4-FFF2-40B4-BE49-F238E27FC236}">
-                <a16:creationId xmlns:a16="http://schemas.microsoft.com/office/drawing/2014/main" id="{6E5E2880-C44F-D8FD-A2E8-5CCF3F68E3DA}"/>
+                <a16:creationId xmlns:a16="http://schemas.microsoft.com/office/drawing/2014/main" id="{194A1F59-AD7B-B6B1-70EF-13A36DFCA8D8}"/>
               </a:ext>
             </a:extLst>
           </p:cNvPr>
@@ -4616,7 +5467,7 @@
           <a:p>
             <a:r>
               <a:rPr kumimoji="1" lang="ja-JP" altLang="en-US" dirty="0"/>
-              <a:t>グループのできたこととかいいとこと課題</a:t>
+              <a:t>あぷりのまとめ</a:t>
             </a:r>
           </a:p>
         </p:txBody>
@@ -4626,7 +5477,7 @@
           <p:cNvPr id="3" name="コンテンツ プレースホルダー 2">
             <a:extLst>
               <a:ext uri="{FF2B5EF4-FFF2-40B4-BE49-F238E27FC236}">
-                <a16:creationId xmlns:a16="http://schemas.microsoft.com/office/drawing/2014/main" id="{D4986A1A-9DBC-0F30-369C-D10C7575D91A}"/>
+                <a16:creationId xmlns:a16="http://schemas.microsoft.com/office/drawing/2014/main" id="{A2E54117-5049-AF4B-D159-FCAA0A9772D9}"/>
               </a:ext>
             </a:extLst>
           </p:cNvPr>
@@ -4644,28 +5495,21 @@
           <a:p>
             <a:r>
               <a:rPr kumimoji="1" lang="ja-JP" altLang="en-US" dirty="0"/>
-              <a:t>あぷりをつくるにあたってグループでこんなことをがんばった</a:t>
+              <a:t>こういう人向け</a:t>
             </a:r>
             <a:endParaRPr kumimoji="1" lang="en-US" altLang="ja-JP" dirty="0"/>
           </a:p>
           <a:p>
             <a:r>
               <a:rPr lang="ja-JP" altLang="en-US" dirty="0"/>
-              <a:t>褒めあって自己肯定感を高めながら進めることで、技術力が足りなく感じても挫けず進められた</a:t>
+              <a:t>こういうことができる</a:t>
             </a:r>
             <a:endParaRPr lang="en-US" altLang="ja-JP" dirty="0"/>
           </a:p>
           <a:p>
             <a:r>
-              <a:rPr lang="ja-JP" altLang="en-US" dirty="0"/>
-              <a:t>田中君の板書貼って講義うけたみたいなことするか</a:t>
-            </a:r>
-            <a:endParaRPr lang="en-US" altLang="ja-JP" dirty="0"/>
-          </a:p>
-          <a:p>
-            <a:r>
               <a:rPr kumimoji="1" lang="ja-JP" altLang="en-US" dirty="0"/>
-              <a:t>改善点</a:t>
+              <a:t>こういう改善点がある</a:t>
             </a:r>
           </a:p>
         </p:txBody>
@@ -4673,7 +5517,7 @@
     </p:spTree>
     <p:extLst>
       <p:ext uri="{BB962C8B-B14F-4D97-AF65-F5344CB8AC3E}">
-        <p14:creationId xmlns:p14="http://schemas.microsoft.com/office/powerpoint/2010/main" val="2637855129"/>
+        <p14:creationId xmlns:p14="http://schemas.microsoft.com/office/powerpoint/2010/main" val="1587208940"/>
       </p:ext>
     </p:extLst>
   </p:cSld>
@@ -4716,7 +5560,12 @@
             <p:ph type="title"/>
           </p:nvPr>
         </p:nvSpPr>
-        <p:spPr/>
+        <p:spPr>
+          <a:xfrm>
+            <a:off x="320790" y="-662782"/>
+            <a:ext cx="10515600" cy="1325563"/>
+          </a:xfrm>
+        </p:spPr>
         <p:txBody>
           <a:bodyPr/>
           <a:lstStyle/>
@@ -4743,26 +5592,293 @@
       </p:sp>
       <p:sp>
         <p:nvSpPr>
-          <p:cNvPr id="3" name="コンテンツ プレースホルダー 2">
-            <a:extLst>
-              <a:ext uri="{FF2B5EF4-FFF2-40B4-BE49-F238E27FC236}">
-                <a16:creationId xmlns:a16="http://schemas.microsoft.com/office/drawing/2014/main" id="{2A57E4CC-F15F-DDFC-9A72-BD80CF0C29E9}"/>
-              </a:ext>
-            </a:extLst>
-          </p:cNvPr>
-          <p:cNvSpPr>
-            <a:spLocks noGrp="1"/>
-          </p:cNvSpPr>
-          <p:nvPr>
-            <p:ph idx="1"/>
-          </p:nvPr>
-        </p:nvSpPr>
-        <p:spPr/>
-        <p:txBody>
-          <a:bodyPr/>
-          <a:lstStyle/>
-          <a:p>
-            <a:endParaRPr kumimoji="1" lang="ja-JP" altLang="en-US"/>
+          <p:cNvPr id="6" name="テキスト ボックス 5">
+            <a:extLst>
+              <a:ext uri="{FF2B5EF4-FFF2-40B4-BE49-F238E27FC236}">
+                <a16:creationId xmlns:a16="http://schemas.microsoft.com/office/drawing/2014/main" id="{8C3F02F7-6DB1-C374-80AF-2580ABEFBE36}"/>
+              </a:ext>
+            </a:extLst>
+          </p:cNvPr>
+          <p:cNvSpPr txBox="1"/>
+          <p:nvPr/>
+        </p:nvSpPr>
+        <p:spPr>
+          <a:xfrm>
+            <a:off x="408753" y="153807"/>
+            <a:ext cx="10721511" cy="7017306"/>
+          </a:xfrm>
+          <a:prstGeom prst="rect">
+            <a:avLst/>
+          </a:prstGeom>
+          <a:noFill/>
+        </p:spPr>
+        <p:txBody>
+          <a:bodyPr wrap="square" rtlCol="0">
+            <a:spAutoFit/>
+          </a:bodyPr>
+          <a:lstStyle/>
+          <a:p>
+            <a:r>
+              <a:rPr lang="ja-JP" altLang="en-US" dirty="0"/>
+              <a:t>役割</a:t>
+            </a:r>
+            <a:r>
+              <a:rPr lang="en-US" altLang="ja-JP" dirty="0"/>
+              <a:t>:</a:t>
+            </a:r>
+            <a:r>
+              <a:rPr lang="ja-JP" altLang="en-US" dirty="0"/>
+              <a:t>リーダー</a:t>
+            </a:r>
+            <a:endParaRPr lang="en-US" altLang="ja-JP" dirty="0"/>
+          </a:p>
+          <a:p>
+            <a:r>
+              <a:rPr lang="ja-JP" altLang="en-US" dirty="0"/>
+              <a:t>目標　全員の良いところを伸ばして、苦手なところはみんなで補う！</a:t>
+            </a:r>
+            <a:endParaRPr lang="en-US" altLang="ja-JP" dirty="0"/>
+          </a:p>
+          <a:p>
+            <a:r>
+              <a:rPr lang="en-US" altLang="ja-JP" dirty="0"/>
+              <a:t>	</a:t>
+            </a:r>
+            <a:r>
+              <a:rPr lang="ja-JP" altLang="en-US" dirty="0"/>
+              <a:t>絶対暗い雰囲気にせず常に全員で納得のいくアプリを作る！</a:t>
+            </a:r>
+            <a:endParaRPr lang="en-US" altLang="ja-JP" dirty="0"/>
+          </a:p>
+          <a:p>
+            <a:r>
+              <a:rPr lang="ja-JP" altLang="en-US" dirty="0"/>
+              <a:t>→絶対にどのグループよりも全員が話している自信がある</a:t>
+            </a:r>
+            <a:endParaRPr lang="en-US" altLang="ja-JP" dirty="0"/>
+          </a:p>
+          <a:p>
+            <a:r>
+              <a:rPr lang="ja-JP" altLang="en-US" dirty="0"/>
+              <a:t>→時間に縛られすぎず、とことん話し合って全員の総意のもと話をすすめることに</a:t>
+            </a:r>
+            <a:endParaRPr lang="en-US" altLang="ja-JP" dirty="0"/>
+          </a:p>
+          <a:p>
+            <a:r>
+              <a:rPr lang="ja-JP" altLang="en-US" dirty="0"/>
+              <a:t>→エピソード　機能を付けるときに１：４になったときがあった　それまでスムーズに進んでいて時間もあったので全会一致になるまで話し合った→認識の齟齬が発覚、すり合わせた結果１に軍配が上がり、目玉機能に採用</a:t>
+            </a:r>
+            <a:endParaRPr lang="en-US" altLang="ja-JP" dirty="0"/>
+          </a:p>
+          <a:p>
+            <a:r>
+              <a:rPr lang="ja-JP" altLang="en-US" dirty="0"/>
+              <a:t>→認識の違いが起こす意見の相違、話し合いの大切さを知る</a:t>
+            </a:r>
+            <a:endParaRPr lang="en-US" altLang="ja-JP" dirty="0"/>
+          </a:p>
+          <a:p>
+            <a:r>
+              <a:rPr lang="ja-JP" altLang="en-US" dirty="0"/>
+              <a:t>→しかし、今回はたまたま作業のメリハリができていたので完成したが、ドタバタになってしまう危うさもある</a:t>
+            </a:r>
+            <a:endParaRPr lang="en-US" altLang="ja-JP" dirty="0"/>
+          </a:p>
+          <a:p>
+            <a:r>
+              <a:rPr lang="ja-JP" altLang="en-US" dirty="0"/>
+              <a:t>→最悪のことも考えた最低限の時間管理は必要であると感じました。</a:t>
+            </a:r>
+            <a:endParaRPr lang="en-US" altLang="ja-JP" dirty="0"/>
+          </a:p>
+          <a:p>
+            <a:endParaRPr lang="en-US" altLang="ja-JP" dirty="0"/>
+          </a:p>
+          <a:p>
+            <a:r>
+              <a:rPr lang="ja-JP" altLang="en-US" dirty="0"/>
+              <a:t>・担当</a:t>
+            </a:r>
+            <a:r>
+              <a:rPr lang="en-US" altLang="ja-JP" dirty="0"/>
+              <a:t>:</a:t>
+            </a:r>
+            <a:r>
+              <a:rPr lang="ja-JP" altLang="en-US" dirty="0"/>
+              <a:t>新規登録サーブレット、新規登録画面、レビューモデル、レビューに関する</a:t>
+            </a:r>
+            <a:r>
+              <a:rPr lang="en-US" altLang="ja-JP" dirty="0"/>
+              <a:t>DAO</a:t>
+            </a:r>
+            <a:r>
+              <a:rPr lang="ja-JP" altLang="en-US" dirty="0"/>
+              <a:t>４つ→担当したのはこちらです</a:t>
+            </a:r>
+            <a:endParaRPr lang="en-US" altLang="ja-JP" dirty="0"/>
+          </a:p>
+          <a:p>
+            <a:r>
+              <a:rPr lang="ja-JP" altLang="en-US" dirty="0"/>
+              <a:t>・アプリ開発前はメソッドの書き方も戻り値もわからなかった</a:t>
+            </a:r>
+            <a:endParaRPr lang="en-US" altLang="ja-JP" dirty="0"/>
+          </a:p>
+          <a:p>
+            <a:r>
+              <a:rPr lang="ja-JP" altLang="en-US" dirty="0"/>
+              <a:t>・特に</a:t>
+            </a:r>
+            <a:r>
+              <a:rPr lang="en-US" altLang="ja-JP" dirty="0" err="1">
+                <a:solidFill>
+                  <a:srgbClr val="1D1C1D"/>
+                </a:solidFill>
+                <a:highlight>
+                  <a:srgbClr val="F8F8F8"/>
+                </a:highlight>
+                <a:latin typeface="NotoSansJP"/>
+              </a:rPr>
+              <a:t>reviewDAO</a:t>
+            </a:r>
+            <a:r>
+              <a:rPr lang="ja-JP" altLang="en-US" dirty="0">
+                <a:solidFill>
+                  <a:srgbClr val="1D1C1D"/>
+                </a:solidFill>
+                <a:highlight>
+                  <a:srgbClr val="F8F8F8"/>
+                </a:highlight>
+                <a:latin typeface="NotoSansJP"/>
+              </a:rPr>
+              <a:t>　</a:t>
+            </a:r>
+            <a:r>
+              <a:rPr lang="en-US" altLang="ja-JP" dirty="0">
+                <a:solidFill>
+                  <a:srgbClr val="1D1C1D"/>
+                </a:solidFill>
+                <a:highlight>
+                  <a:srgbClr val="F8F8F8"/>
+                </a:highlight>
+                <a:latin typeface="NotoSansJP"/>
+              </a:rPr>
+              <a:t>JOIN</a:t>
+            </a:r>
+            <a:r>
+              <a:rPr lang="ja-JP" altLang="en-US" dirty="0">
+                <a:solidFill>
+                  <a:srgbClr val="1D1C1D"/>
+                </a:solidFill>
+                <a:highlight>
+                  <a:srgbClr val="F8F8F8"/>
+                </a:highlight>
+                <a:latin typeface="NotoSansJP"/>
+              </a:rPr>
+              <a:t>テーブル７つ、メソッド</a:t>
+            </a:r>
+            <a:r>
+              <a:rPr lang="en-US" altLang="ja-JP" dirty="0">
+                <a:solidFill>
+                  <a:srgbClr val="1D1C1D"/>
+                </a:solidFill>
+                <a:highlight>
+                  <a:srgbClr val="F8F8F8"/>
+                </a:highlight>
+                <a:latin typeface="NotoSansJP"/>
+              </a:rPr>
+              <a:t>16</a:t>
+            </a:r>
+            <a:r>
+              <a:rPr lang="ja-JP" altLang="en-US" dirty="0">
+                <a:solidFill>
+                  <a:srgbClr val="1D1C1D"/>
+                </a:solidFill>
+                <a:highlight>
+                  <a:srgbClr val="F8F8F8"/>
+                </a:highlight>
+                <a:latin typeface="NotoSansJP"/>
+              </a:rPr>
+              <a:t>、</a:t>
+            </a:r>
+            <a:r>
+              <a:rPr lang="en-US" altLang="ja-JP" dirty="0">
+                <a:solidFill>
+                  <a:srgbClr val="1D1C1D"/>
+                </a:solidFill>
+                <a:highlight>
+                  <a:srgbClr val="F8F8F8"/>
+                </a:highlight>
+                <a:latin typeface="NotoSansJP"/>
+              </a:rPr>
+              <a:t>1900</a:t>
+            </a:r>
+            <a:r>
+              <a:rPr lang="ja-JP" altLang="en-US" dirty="0">
+                <a:solidFill>
+                  <a:srgbClr val="1D1C1D"/>
+                </a:solidFill>
+                <a:highlight>
+                  <a:srgbClr val="F8F8F8"/>
+                </a:highlight>
+                <a:latin typeface="NotoSansJP"/>
+              </a:rPr>
+              <a:t>行越え　超大作</a:t>
+            </a:r>
+            <a:endParaRPr lang="en-US" altLang="ja-JP" dirty="0">
+              <a:solidFill>
+                <a:srgbClr val="1D1C1D"/>
+              </a:solidFill>
+              <a:highlight>
+                <a:srgbClr val="F8F8F8"/>
+              </a:highlight>
+              <a:latin typeface="NotoSansJP"/>
+            </a:endParaRPr>
+          </a:p>
+          <a:p>
+            <a:r>
+              <a:rPr lang="ja-JP" altLang="en-US" dirty="0"/>
+              <a:t>・アプリ開発前</a:t>
+            </a:r>
+            <a:r>
+              <a:rPr lang="en-US" altLang="ja-JP" dirty="0"/>
+              <a:t>DAO</a:t>
+            </a:r>
+            <a:r>
+              <a:rPr lang="ja-JP" altLang="en-US" dirty="0"/>
+              <a:t>は苦手　</a:t>
+            </a:r>
+            <a:r>
+              <a:rPr lang="en-US" altLang="ja-JP" dirty="0"/>
+              <a:t>DAO</a:t>
+            </a:r>
+            <a:r>
+              <a:rPr lang="ja-JP" altLang="en-US" dirty="0"/>
+              <a:t>に書くもの以前に呪文　みんなができている中一人だけ完成させられずにいたが、メンバーが１からわかる！</a:t>
+            </a:r>
+            <a:r>
+              <a:rPr lang="en-US" altLang="ja-JP" dirty="0"/>
+              <a:t>DAO</a:t>
+            </a:r>
+            <a:r>
+              <a:rPr lang="ja-JP" altLang="en-US" dirty="0"/>
+              <a:t>の書きすすめ方の講義をしてくれたおかげで完成させることができた。進まないときは苦しかったが、その分完成時の達成感の方が大きかった</a:t>
+            </a:r>
+            <a:endParaRPr lang="en-US" altLang="ja-JP" dirty="0"/>
+          </a:p>
+          <a:p>
+            <a:r>
+              <a:rPr lang="ja-JP" altLang="en-US" dirty="0"/>
+              <a:t>・課題もっと簡単な書き方があったと思う　これから経験を積むことで「あのときのややこしい文、こんなに簡単に書けるじゃん」の発見　課題を悪いところと捉えず　研修がおわってからも初心を忘れずに仕事をしていければ</a:t>
+            </a:r>
+            <a:endParaRPr lang="en-US" altLang="ja-JP" dirty="0"/>
+          </a:p>
+          <a:p>
+            <a:endParaRPr lang="en-US" altLang="ja-JP" dirty="0"/>
+          </a:p>
+          <a:p>
+            <a:endParaRPr lang="en-US" altLang="ja-JP" dirty="0"/>
           </a:p>
         </p:txBody>
       </p:sp>
@@ -4858,7 +5974,10 @@
           <a:bodyPr/>
           <a:lstStyle/>
           <a:p>
-            <a:endParaRPr kumimoji="1" lang="ja-JP" altLang="en-US"/>
+            <a:r>
+              <a:rPr kumimoji="1" lang="ja-JP" altLang="en-US" dirty="0"/>
+              <a:t>りれーしょんしっぷの図つくろかな</a:t>
+            </a:r>
           </a:p>
         </p:txBody>
       </p:sp>
@@ -5038,12 +6157,93 @@
             <p:ph idx="1"/>
           </p:nvPr>
         </p:nvSpPr>
-        <p:spPr/>
-        <p:txBody>
-          <a:bodyPr/>
-          <a:lstStyle/>
-          <a:p>
-            <a:endParaRPr kumimoji="1" lang="ja-JP" altLang="en-US"/>
+        <p:spPr>
+          <a:xfrm>
+            <a:off x="838199" y="1578881"/>
+            <a:ext cx="10773229" cy="4676775"/>
+          </a:xfrm>
+        </p:spPr>
+        <p:txBody>
+          <a:bodyPr>
+            <a:normAutofit fontScale="92500" lnSpcReduction="10000"/>
+          </a:bodyPr>
+          <a:lstStyle/>
+          <a:p>
+            <a:r>
+              <a:rPr kumimoji="1" lang="en-US" altLang="ja-JP" dirty="0"/>
+              <a:t>(</a:t>
+            </a:r>
+            <a:r>
+              <a:rPr kumimoji="1" lang="ja-JP" altLang="en-US" dirty="0"/>
+              <a:t>技術面</a:t>
+            </a:r>
+            <a:r>
+              <a:rPr kumimoji="1" lang="en-US" altLang="ja-JP" dirty="0"/>
+              <a:t>)</a:t>
+            </a:r>
+          </a:p>
+          <a:p>
+            <a:r>
+              <a:rPr kumimoji="1" lang="ja-JP" altLang="en-US" dirty="0"/>
+              <a:t>最初の状況</a:t>
+            </a:r>
+            <a:endParaRPr kumimoji="1" lang="en-US" altLang="ja-JP" dirty="0"/>
+          </a:p>
+          <a:p>
+            <a:r>
+              <a:rPr lang="ja-JP" altLang="en-US" dirty="0"/>
+              <a:t>どういう工程を踏んで、どんなことができるようになったか</a:t>
+            </a:r>
+            <a:endParaRPr lang="en-US" altLang="ja-JP" dirty="0"/>
+          </a:p>
+          <a:p>
+            <a:r>
+              <a:rPr kumimoji="1" lang="ja-JP" altLang="en-US" dirty="0"/>
+              <a:t>それを踏まえて何を学んだか</a:t>
+            </a:r>
+            <a:endParaRPr kumimoji="1" lang="en-US" altLang="ja-JP" dirty="0"/>
+          </a:p>
+          <a:p>
+            <a:r>
+              <a:rPr lang="ja-JP" altLang="en-US" dirty="0"/>
+              <a:t>今後の課題</a:t>
+            </a:r>
+            <a:endParaRPr lang="en-US" altLang="ja-JP" dirty="0"/>
+          </a:p>
+          <a:p>
+            <a:r>
+              <a:rPr kumimoji="1" lang="en-US" altLang="ja-JP" dirty="0"/>
+              <a:t>(</a:t>
+            </a:r>
+            <a:r>
+              <a:rPr kumimoji="1" lang="ja-JP" altLang="en-US" dirty="0"/>
+              <a:t>役割について</a:t>
+            </a:r>
+            <a:r>
+              <a:rPr kumimoji="1" lang="en-US" altLang="ja-JP" dirty="0"/>
+              <a:t>)</a:t>
+            </a:r>
+          </a:p>
+          <a:p>
+            <a:r>
+              <a:rPr lang="ja-JP" altLang="en-US" dirty="0"/>
+              <a:t>自分の役割、最初どう行動しようと思って、実際にどのように行動したのか</a:t>
+            </a:r>
+            <a:endParaRPr lang="en-US" altLang="ja-JP" dirty="0"/>
+          </a:p>
+          <a:p>
+            <a:r>
+              <a:rPr kumimoji="1" lang="ja-JP" altLang="en-US" dirty="0"/>
+              <a:t>行動した結果</a:t>
+            </a:r>
+            <a:endParaRPr kumimoji="1" lang="en-US" altLang="ja-JP" dirty="0"/>
+          </a:p>
+          <a:p>
+            <a:r>
+              <a:rPr lang="ja-JP" altLang="en-US" dirty="0"/>
+              <a:t>よかったところ、反省点</a:t>
+            </a:r>
+            <a:endParaRPr kumimoji="1" lang="ja-JP" altLang="en-US" dirty="0"/>
           </a:p>
         </p:txBody>
       </p:sp>
@@ -5118,28 +6318,70 @@
           </a:p>
         </p:txBody>
       </p:sp>
-      <p:sp>
-        <p:nvSpPr>
-          <p:cNvPr id="3" name="コンテンツ プレースホルダー 2">
-            <a:extLst>
-              <a:ext uri="{FF2B5EF4-FFF2-40B4-BE49-F238E27FC236}">
-                <a16:creationId xmlns:a16="http://schemas.microsoft.com/office/drawing/2014/main" id="{2A57E4CC-F15F-DDFC-9A72-BD80CF0C29E9}"/>
-              </a:ext>
-            </a:extLst>
-          </p:cNvPr>
-          <p:cNvSpPr>
-            <a:spLocks noGrp="1"/>
-          </p:cNvSpPr>
+      <p:pic>
+        <p:nvPicPr>
+          <p:cNvPr id="6" name="コンテンツ プレースホルダー 5">
+            <a:extLst>
+              <a:ext uri="{FF2B5EF4-FFF2-40B4-BE49-F238E27FC236}">
+                <a16:creationId xmlns:a16="http://schemas.microsoft.com/office/drawing/2014/main" id="{BCE08C01-A635-7341-B405-CA46D2C9DD07}"/>
+              </a:ext>
+            </a:extLst>
+          </p:cNvPr>
+          <p:cNvPicPr>
+            <a:picLocks noGrp="1" noChangeAspect="1"/>
+          </p:cNvPicPr>
           <p:nvPr>
             <p:ph idx="1"/>
           </p:nvPr>
-        </p:nvSpPr>
-        <p:spPr/>
-        <p:txBody>
-          <a:bodyPr/>
-          <a:lstStyle/>
-          <a:p>
-            <a:endParaRPr kumimoji="1" lang="ja-JP" altLang="en-US"/>
+        </p:nvPicPr>
+        <p:blipFill>
+          <a:blip r:embed="rId3"/>
+          <a:stretch>
+            <a:fillRect/>
+          </a:stretch>
+        </p:blipFill>
+        <p:spPr>
+          <a:xfrm>
+            <a:off x="540947" y="1800363"/>
+            <a:ext cx="7335274" cy="4143953"/>
+          </a:xfrm>
+          <a:prstGeom prst="rect">
+            <a:avLst/>
+          </a:prstGeom>
+        </p:spPr>
+      </p:pic>
+      <p:sp>
+        <p:nvSpPr>
+          <p:cNvPr id="7" name="テキスト ボックス 6">
+            <a:extLst>
+              <a:ext uri="{FF2B5EF4-FFF2-40B4-BE49-F238E27FC236}">
+                <a16:creationId xmlns:a16="http://schemas.microsoft.com/office/drawing/2014/main" id="{C6C9318F-B70E-2B05-A41D-0D0ABD78F558}"/>
+              </a:ext>
+            </a:extLst>
+          </p:cNvPr>
+          <p:cNvSpPr txBox="1"/>
+          <p:nvPr/>
+        </p:nvSpPr>
+        <p:spPr>
+          <a:xfrm>
+            <a:off x="8663354" y="1910862"/>
+            <a:ext cx="3188677" cy="1200329"/>
+          </a:xfrm>
+          <a:prstGeom prst="rect">
+            <a:avLst/>
+          </a:prstGeom>
+          <a:noFill/>
+        </p:spPr>
+        <p:txBody>
+          <a:bodyPr wrap="square" rtlCol="0">
+            <a:spAutoFit/>
+          </a:bodyPr>
+          <a:lstStyle/>
+          <a:p>
+            <a:r>
+              <a:rPr kumimoji="1" lang="ja-JP" altLang="en-US" dirty="0"/>
+              <a:t>どんな機能を付けたか、その機能でどんなことを書いて何がむずかしくてどのように解決したか</a:t>
+            </a:r>
           </a:p>
         </p:txBody>
       </p:sp>
@@ -5274,6 +6516,120 @@
           <p:cNvPr id="2" name="タイトル 1">
             <a:extLst>
               <a:ext uri="{FF2B5EF4-FFF2-40B4-BE49-F238E27FC236}">
+                <a16:creationId xmlns:a16="http://schemas.microsoft.com/office/drawing/2014/main" id="{6E5E2880-C44F-D8FD-A2E8-5CCF3F68E3DA}"/>
+              </a:ext>
+            </a:extLst>
+          </p:cNvPr>
+          <p:cNvSpPr>
+            <a:spLocks noGrp="1"/>
+          </p:cNvSpPr>
+          <p:nvPr>
+            <p:ph type="title"/>
+          </p:nvPr>
+        </p:nvSpPr>
+        <p:spPr/>
+        <p:txBody>
+          <a:bodyPr/>
+          <a:lstStyle/>
+          <a:p>
+            <a:r>
+              <a:rPr kumimoji="1" lang="ja-JP" altLang="en-US" dirty="0"/>
+              <a:t>グループのできたこととかいいとこと課題</a:t>
+            </a:r>
+          </a:p>
+        </p:txBody>
+      </p:sp>
+      <p:sp>
+        <p:nvSpPr>
+          <p:cNvPr id="3" name="コンテンツ プレースホルダー 2">
+            <a:extLst>
+              <a:ext uri="{FF2B5EF4-FFF2-40B4-BE49-F238E27FC236}">
+                <a16:creationId xmlns:a16="http://schemas.microsoft.com/office/drawing/2014/main" id="{D4986A1A-9DBC-0F30-369C-D10C7575D91A}"/>
+              </a:ext>
+            </a:extLst>
+          </p:cNvPr>
+          <p:cNvSpPr>
+            <a:spLocks noGrp="1"/>
+          </p:cNvSpPr>
+          <p:nvPr>
+            <p:ph idx="1"/>
+          </p:nvPr>
+        </p:nvSpPr>
+        <p:spPr/>
+        <p:txBody>
+          <a:bodyPr/>
+          <a:lstStyle/>
+          <a:p>
+            <a:r>
+              <a:rPr kumimoji="1" lang="ja-JP" altLang="en-US" dirty="0"/>
+              <a:t>各自の発表みればみんなでがんばったのわかるでしょ的な</a:t>
+            </a:r>
+            <a:endParaRPr kumimoji="1" lang="en-US" altLang="ja-JP" dirty="0"/>
+          </a:p>
+          <a:p>
+            <a:r>
+              <a:rPr kumimoji="1" lang="ja-JP" altLang="en-US" dirty="0"/>
+              <a:t>あぷりをつくるにあたってグループでこんなことをがんばった</a:t>
+            </a:r>
+            <a:endParaRPr kumimoji="1" lang="en-US" altLang="ja-JP" dirty="0"/>
+          </a:p>
+          <a:p>
+            <a:r>
+              <a:rPr lang="ja-JP" altLang="en-US" dirty="0"/>
+              <a:t>褒めあって自己肯定感を高めながら進めることで、技術力が足りなく感じても挫けず進められた</a:t>
+            </a:r>
+            <a:endParaRPr lang="en-US" altLang="ja-JP" dirty="0"/>
+          </a:p>
+          <a:p>
+            <a:r>
+              <a:rPr lang="ja-JP" altLang="en-US" dirty="0"/>
+              <a:t>田中君の板書貼って講義うけたみたいなことするか</a:t>
+            </a:r>
+            <a:endParaRPr lang="en-US" altLang="ja-JP" dirty="0"/>
+          </a:p>
+          <a:p>
+            <a:r>
+              <a:rPr kumimoji="1" lang="ja-JP" altLang="en-US" dirty="0"/>
+              <a:t>改善点</a:t>
+            </a:r>
+          </a:p>
+        </p:txBody>
+      </p:sp>
+    </p:spTree>
+    <p:extLst>
+      <p:ext uri="{BB962C8B-B14F-4D97-AF65-F5344CB8AC3E}">
+        <p14:creationId xmlns:p14="http://schemas.microsoft.com/office/powerpoint/2010/main" val="2637855129"/>
+      </p:ext>
+    </p:extLst>
+  </p:cSld>
+  <p:clrMapOvr>
+    <a:masterClrMapping/>
+  </p:clrMapOvr>
+</p:sld>
+</file>
+
+<file path=ppt/slides/slide24.xml><?xml version="1.0" encoding="utf-8"?>
+<p:sld xmlns:a="http://schemas.openxmlformats.org/drawingml/2006/main" xmlns:r="http://schemas.openxmlformats.org/officeDocument/2006/relationships" xmlns:p="http://schemas.openxmlformats.org/presentationml/2006/main">
+  <p:cSld>
+    <p:spTree>
+      <p:nvGrpSpPr>
+        <p:cNvPr id="1" name=""/>
+        <p:cNvGrpSpPr/>
+        <p:nvPr/>
+      </p:nvGrpSpPr>
+      <p:grpSpPr>
+        <a:xfrm>
+          <a:off x="0" y="0"/>
+          <a:ext cx="0" cy="0"/>
+          <a:chOff x="0" y="0"/>
+          <a:chExt cx="0" cy="0"/>
+        </a:xfrm>
+      </p:grpSpPr>
+      <p:sp>
+        <p:nvSpPr>
+          <p:cNvPr id="2" name="タイトル 1">
+            <a:extLst>
+              <a:ext uri="{FF2B5EF4-FFF2-40B4-BE49-F238E27FC236}">
                 <a16:creationId xmlns:a16="http://schemas.microsoft.com/office/drawing/2014/main" id="{28709C95-A968-56AB-0948-E52469859543}"/>
               </a:ext>
             </a:extLst>
@@ -5346,7 +6702,7 @@
 </p:sld>
 </file>
 
-<file path=ppt/slides/slide24.xml><?xml version="1.0" encoding="utf-8"?>
+<file path=ppt/slides/slide25.xml><?xml version="1.0" encoding="utf-8"?>
 <p:sld xmlns:a="http://schemas.openxmlformats.org/drawingml/2006/main" xmlns:r="http://schemas.openxmlformats.org/officeDocument/2006/relationships" xmlns:p="http://schemas.openxmlformats.org/presentationml/2006/main">
   <p:cSld>
     <p:spTree>
@@ -5519,18 +6875,16 @@
           <a:p>
             <a:r>
               <a:rPr lang="ja-JP" altLang="en-US" dirty="0"/>
-              <a:t>チーム名「あ」の由来</a:t>
+              <a:t>つまり本当に初歩の初歩からはじまった＝チーム名「あ」の由来</a:t>
             </a:r>
             <a:endParaRPr lang="en-US" altLang="ja-JP" dirty="0"/>
           </a:p>
           <a:p>
-            <a:pPr marL="0" indent="0">
-              <a:buNone/>
-            </a:pPr>
+            <a:r>
+              <a:rPr lang="ja-JP" altLang="en-US" dirty="0"/>
+              <a:t>そんな状況の中からアプリ制作がはじまった</a:t>
+            </a:r>
             <a:endParaRPr lang="en-US" altLang="ja-JP" dirty="0"/>
-          </a:p>
-          <a:p>
-            <a:endParaRPr kumimoji="1" lang="ja-JP" altLang="en-US" dirty="0"/>
           </a:p>
         </p:txBody>
       </p:sp>
@@ -5661,7 +7015,7 @@
           <p:nvPr/>
         </p:nvPicPr>
         <p:blipFill>
-          <a:blip r:embed="rId2"/>
+          <a:blip r:embed="rId3"/>
           <a:stretch>
             <a:fillRect/>
           </a:stretch>
@@ -5711,6 +7065,193 @@
           <p:cNvPr id="2" name="タイトル 1">
             <a:extLst>
               <a:ext uri="{FF2B5EF4-FFF2-40B4-BE49-F238E27FC236}">
+                <a16:creationId xmlns:a16="http://schemas.microsoft.com/office/drawing/2014/main" id="{0E0ECB51-B548-3C98-CBBE-4BF45A698563}"/>
+              </a:ext>
+            </a:extLst>
+          </p:cNvPr>
+          <p:cNvSpPr>
+            <a:spLocks noGrp="1"/>
+          </p:cNvSpPr>
+          <p:nvPr>
+            <p:ph type="title"/>
+          </p:nvPr>
+        </p:nvSpPr>
+        <p:spPr/>
+        <p:txBody>
+          <a:bodyPr/>
+          <a:lstStyle/>
+          <a:p>
+            <a:r>
+              <a:rPr kumimoji="1" lang="en-US" altLang="ja-JP" dirty="0"/>
+              <a:t>A review</a:t>
+            </a:r>
+            <a:r>
+              <a:rPr kumimoji="1" lang="ja-JP" altLang="en-US" dirty="0"/>
+              <a:t>　紹介</a:t>
+            </a:r>
+          </a:p>
+        </p:txBody>
+      </p:sp>
+      <p:sp>
+        <p:nvSpPr>
+          <p:cNvPr id="3" name="コンテンツ プレースホルダー 2">
+            <a:extLst>
+              <a:ext uri="{FF2B5EF4-FFF2-40B4-BE49-F238E27FC236}">
+                <a16:creationId xmlns:a16="http://schemas.microsoft.com/office/drawing/2014/main" id="{BEDA30A3-E0B1-2E17-4A04-4ACDFA62E8B7}"/>
+              </a:ext>
+            </a:extLst>
+          </p:cNvPr>
+          <p:cNvSpPr>
+            <a:spLocks noGrp="1"/>
+          </p:cNvSpPr>
+          <p:nvPr>
+            <p:ph idx="1"/>
+          </p:nvPr>
+        </p:nvSpPr>
+        <p:spPr>
+          <a:xfrm>
+            <a:off x="7479323" y="2141537"/>
+            <a:ext cx="3874477" cy="4351338"/>
+          </a:xfrm>
+        </p:spPr>
+        <p:txBody>
+          <a:bodyPr/>
+          <a:lstStyle/>
+          <a:p>
+            <a:r>
+              <a:rPr kumimoji="1" lang="ja-JP" altLang="en-US" dirty="0"/>
+              <a:t>ユーザー登録</a:t>
+            </a:r>
+          </a:p>
+          <a:p>
+            <a:r>
+              <a:rPr kumimoji="1" lang="ja-JP" altLang="en-US" dirty="0"/>
+              <a:t>ログイン機能</a:t>
+            </a:r>
+          </a:p>
+          <a:p>
+            <a:r>
+              <a:rPr kumimoji="1" lang="ja-JP" altLang="en-US" dirty="0"/>
+              <a:t>マイページ機能</a:t>
+            </a:r>
+          </a:p>
+          <a:p>
+            <a:r>
+              <a:rPr kumimoji="1" lang="ja-JP" altLang="en-US" dirty="0"/>
+              <a:t>レビュー機能</a:t>
+            </a:r>
+          </a:p>
+          <a:p>
+            <a:r>
+              <a:rPr kumimoji="1" lang="ja-JP" altLang="en-US" dirty="0"/>
+              <a:t>リスト機能</a:t>
+            </a:r>
+          </a:p>
+          <a:p>
+            <a:r>
+              <a:rPr kumimoji="1" lang="ja-JP" altLang="en-US" dirty="0"/>
+              <a:t>他ユーザーページ機能</a:t>
+            </a:r>
+          </a:p>
+          <a:p>
+            <a:endParaRPr kumimoji="1" lang="ja-JP" altLang="en-US" dirty="0"/>
+          </a:p>
+        </p:txBody>
+      </p:sp>
+      <p:sp>
+        <p:nvSpPr>
+          <p:cNvPr id="4" name="テキスト ボックス 3">
+            <a:extLst>
+              <a:ext uri="{FF2B5EF4-FFF2-40B4-BE49-F238E27FC236}">
+                <a16:creationId xmlns:a16="http://schemas.microsoft.com/office/drawing/2014/main" id="{3889D77B-9C99-0D2C-1209-45C7395E5256}"/>
+              </a:ext>
+            </a:extLst>
+          </p:cNvPr>
+          <p:cNvSpPr txBox="1"/>
+          <p:nvPr/>
+        </p:nvSpPr>
+        <p:spPr>
+          <a:xfrm>
+            <a:off x="437103" y="1859339"/>
+            <a:ext cx="6275196" cy="2246769"/>
+          </a:xfrm>
+          <a:prstGeom prst="rect">
+            <a:avLst/>
+          </a:prstGeom>
+          <a:noFill/>
+        </p:spPr>
+        <p:txBody>
+          <a:bodyPr wrap="square" rtlCol="0">
+            <a:spAutoFit/>
+          </a:bodyPr>
+          <a:lstStyle/>
+          <a:p>
+            <a:r>
+              <a:rPr kumimoji="1" lang="ja-JP" altLang="en-US" dirty="0"/>
+              <a:t>自分専用のレビューアプリ</a:t>
+            </a:r>
+            <a:endParaRPr kumimoji="1" lang="en-US" altLang="ja-JP" dirty="0"/>
+          </a:p>
+          <a:p>
+            <a:r>
+              <a:rPr kumimoji="1" lang="ja-JP" altLang="en-US" dirty="0"/>
+              <a:t>自分が使用している</a:t>
+            </a:r>
+            <a:r>
+              <a:rPr kumimoji="1" lang="ja-JP" altLang="en-US" sz="3200" dirty="0"/>
+              <a:t>あらゆる</a:t>
+            </a:r>
+            <a:r>
+              <a:rPr kumimoji="1" lang="ja-JP" altLang="en-US" dirty="0"/>
+              <a:t>モノ・コトをレビューし、記録していくことを目的とする。</a:t>
+            </a:r>
+          </a:p>
+          <a:p>
+            <a:r>
+              <a:rPr kumimoji="1" lang="ja-JP" altLang="en-US" dirty="0"/>
+              <a:t>ユーザー自身の記録のみとして使用できるだけでなく、過去と現在の価値観の比較、他ユーザーのレビューを参考にし、生活の選択肢を増やすことができる。</a:t>
+            </a:r>
+          </a:p>
+          <a:p>
+            <a:endParaRPr kumimoji="1" lang="ja-JP" altLang="en-US" dirty="0"/>
+          </a:p>
+        </p:txBody>
+      </p:sp>
+    </p:spTree>
+    <p:extLst>
+      <p:ext uri="{BB962C8B-B14F-4D97-AF65-F5344CB8AC3E}">
+        <p14:creationId xmlns:p14="http://schemas.microsoft.com/office/powerpoint/2010/main" val="1348916385"/>
+      </p:ext>
+    </p:extLst>
+  </p:cSld>
+  <p:clrMapOvr>
+    <a:masterClrMapping/>
+  </p:clrMapOvr>
+</p:sld>
+</file>
+
+<file path=ppt/slides/slide6.xml><?xml version="1.0" encoding="utf-8"?>
+<p:sld xmlns:a="http://schemas.openxmlformats.org/drawingml/2006/main" xmlns:r="http://schemas.openxmlformats.org/officeDocument/2006/relationships" xmlns:p="http://schemas.openxmlformats.org/presentationml/2006/main">
+  <p:cSld>
+    <p:spTree>
+      <p:nvGrpSpPr>
+        <p:cNvPr id="1" name=""/>
+        <p:cNvGrpSpPr/>
+        <p:nvPr/>
+      </p:nvGrpSpPr>
+      <p:grpSpPr>
+        <a:xfrm>
+          <a:off x="0" y="0"/>
+          <a:ext cx="0" cy="0"/>
+          <a:chOff x="0" y="0"/>
+          <a:chExt cx="0" cy="0"/>
+        </a:xfrm>
+      </p:grpSpPr>
+      <p:sp>
+        <p:nvSpPr>
+          <p:cNvPr id="2" name="タイトル 1">
+            <a:extLst>
+              <a:ext uri="{FF2B5EF4-FFF2-40B4-BE49-F238E27FC236}">
                 <a16:creationId xmlns:a16="http://schemas.microsoft.com/office/drawing/2014/main" id="{9A84DA0E-67E8-286B-2DC8-0D5123F58DDD}"/>
               </a:ext>
             </a:extLst>
@@ -5849,7 +7390,7 @@
 </p:sld>
 </file>
 
-<file path=ppt/slides/slide6.xml><?xml version="1.0" encoding="utf-8"?>
+<file path=ppt/slides/slide7.xml><?xml version="1.0" encoding="utf-8"?>
 <p:sld xmlns:a="http://schemas.openxmlformats.org/drawingml/2006/main" xmlns:r="http://schemas.openxmlformats.org/officeDocument/2006/relationships" xmlns:p="http://schemas.openxmlformats.org/presentationml/2006/main">
   <p:cSld>
     <p:spTree>
@@ -5974,119 +7515,6 @@
 </p:sld>
 </file>
 
-<file path=ppt/slides/slide7.xml><?xml version="1.0" encoding="utf-8"?>
-<p:sld xmlns:a="http://schemas.openxmlformats.org/drawingml/2006/main" xmlns:r="http://schemas.openxmlformats.org/officeDocument/2006/relationships" xmlns:p="http://schemas.openxmlformats.org/presentationml/2006/main">
-  <p:cSld>
-    <p:spTree>
-      <p:nvGrpSpPr>
-        <p:cNvPr id="1" name=""/>
-        <p:cNvGrpSpPr/>
-        <p:nvPr/>
-      </p:nvGrpSpPr>
-      <p:grpSpPr>
-        <a:xfrm>
-          <a:off x="0" y="0"/>
-          <a:ext cx="0" cy="0"/>
-          <a:chOff x="0" y="0"/>
-          <a:chExt cx="0" cy="0"/>
-        </a:xfrm>
-      </p:grpSpPr>
-      <p:sp>
-        <p:nvSpPr>
-          <p:cNvPr id="2" name="タイトル 1">
-            <a:extLst>
-              <a:ext uri="{FF2B5EF4-FFF2-40B4-BE49-F238E27FC236}">
-                <a16:creationId xmlns:a16="http://schemas.microsoft.com/office/drawing/2014/main" id="{4437791A-2C7E-0904-9699-0B5C3FF303D1}"/>
-              </a:ext>
-            </a:extLst>
-          </p:cNvPr>
-          <p:cNvSpPr>
-            <a:spLocks noGrp="1"/>
-          </p:cNvSpPr>
-          <p:nvPr>
-            <p:ph type="title"/>
-          </p:nvPr>
-        </p:nvSpPr>
-        <p:spPr/>
-        <p:txBody>
-          <a:bodyPr/>
-          <a:lstStyle/>
-          <a:p>
-            <a:r>
-              <a:rPr kumimoji="1" lang="ja-JP" altLang="en-US" dirty="0"/>
-              <a:t>ぺるそな</a:t>
-            </a:r>
-          </a:p>
-        </p:txBody>
-      </p:sp>
-      <p:sp>
-        <p:nvSpPr>
-          <p:cNvPr id="3" name="コンテンツ プレースホルダー 2">
-            <a:extLst>
-              <a:ext uri="{FF2B5EF4-FFF2-40B4-BE49-F238E27FC236}">
-                <a16:creationId xmlns:a16="http://schemas.microsoft.com/office/drawing/2014/main" id="{119AAF3F-BFD0-DBDD-9461-F7ABD76EE960}"/>
-              </a:ext>
-            </a:extLst>
-          </p:cNvPr>
-          <p:cNvSpPr>
-            <a:spLocks noGrp="1"/>
-          </p:cNvSpPr>
-          <p:nvPr>
-            <p:ph idx="1"/>
-          </p:nvPr>
-        </p:nvSpPr>
-        <p:spPr>
-          <a:xfrm>
-            <a:off x="995515" y="2050639"/>
-            <a:ext cx="8826910" cy="1705283"/>
-          </a:xfrm>
-        </p:spPr>
-        <p:txBody>
-          <a:bodyPr>
-            <a:normAutofit/>
-          </a:bodyPr>
-          <a:lstStyle/>
-          <a:p>
-            <a:r>
-              <a:rPr lang="ja-JP" altLang="en-US" dirty="0"/>
-              <a:t>いろんな知らないやつしりたいなあ</a:t>
-            </a:r>
-            <a:r>
-              <a:rPr kumimoji="1" lang="ja-JP" altLang="en-US" dirty="0"/>
-              <a:t>　みたいな不満</a:t>
-            </a:r>
-            <a:endParaRPr kumimoji="1" lang="en-US" altLang="ja-JP" dirty="0"/>
-          </a:p>
-          <a:p>
-            <a:r>
-              <a:rPr lang="en-US" altLang="ja-JP" dirty="0"/>
-              <a:t>(</a:t>
-            </a:r>
-            <a:r>
-              <a:rPr lang="ja-JP" altLang="en-US" dirty="0"/>
-              <a:t>なんか酒ないかな～みたいなやつ</a:t>
-            </a:r>
-            <a:r>
-              <a:rPr lang="en-US" altLang="ja-JP" dirty="0"/>
-              <a:t>)</a:t>
-            </a:r>
-            <a:endParaRPr kumimoji="1" lang="ja-JP" altLang="en-US" dirty="0"/>
-          </a:p>
-        </p:txBody>
-      </p:sp>
-    </p:spTree>
-    <p:extLst>
-      <p:ext uri="{BB962C8B-B14F-4D97-AF65-F5344CB8AC3E}">
-        <p14:creationId xmlns:p14="http://schemas.microsoft.com/office/powerpoint/2010/main" val="326907901"/>
-      </p:ext>
-    </p:extLst>
-  </p:cSld>
-  <p:clrMapOvr>
-    <a:masterClrMapping/>
-  </p:clrMapOvr>
-</p:sld>
-</file>
-
 <file path=ppt/slides/slide8.xml><?xml version="1.0" encoding="utf-8"?>
 <p:sld xmlns:a="http://schemas.openxmlformats.org/drawingml/2006/main" xmlns:r="http://schemas.openxmlformats.org/officeDocument/2006/relationships" xmlns:p="http://schemas.openxmlformats.org/presentationml/2006/main">
   <p:cSld>
@@ -6109,7 +7537,7 @@
           <p:cNvPr id="2" name="タイトル 1">
             <a:extLst>
               <a:ext uri="{FF2B5EF4-FFF2-40B4-BE49-F238E27FC236}">
-                <a16:creationId xmlns:a16="http://schemas.microsoft.com/office/drawing/2014/main" id="{1D6E9E7C-9DC3-D6DC-D775-C17B7EF2BC0E}"/>
+                <a16:creationId xmlns:a16="http://schemas.microsoft.com/office/drawing/2014/main" id="{4437791A-2C7E-0904-9699-0B5C3FF303D1}"/>
               </a:ext>
             </a:extLst>
           </p:cNvPr>
@@ -6127,7 +7555,7 @@
           <a:p>
             <a:r>
               <a:rPr kumimoji="1" lang="ja-JP" altLang="en-US" dirty="0"/>
-              <a:t>アプリの動画とか再現</a:t>
+              <a:t>ぺるそな</a:t>
             </a:r>
           </a:p>
         </p:txBody>
@@ -6137,7 +7565,7 @@
           <p:cNvPr id="3" name="コンテンツ プレースホルダー 2">
             <a:extLst>
               <a:ext uri="{FF2B5EF4-FFF2-40B4-BE49-F238E27FC236}">
-                <a16:creationId xmlns:a16="http://schemas.microsoft.com/office/drawing/2014/main" id="{40BDDEC5-CC57-13B2-E7A3-FEFB5FB6148D}"/>
+                <a16:creationId xmlns:a16="http://schemas.microsoft.com/office/drawing/2014/main" id="{119AAF3F-BFD0-DBDD-9461-F7ABD76EE960}"/>
               </a:ext>
             </a:extLst>
           </p:cNvPr>
@@ -6150,55 +7578,47 @@
         </p:nvSpPr>
         <p:spPr>
           <a:xfrm>
-            <a:off x="8212394" y="517934"/>
-            <a:ext cx="1501877" cy="809420"/>
+            <a:off x="995515" y="2050639"/>
+            <a:ext cx="8826910" cy="1705283"/>
           </a:xfrm>
         </p:spPr>
         <p:txBody>
-          <a:bodyPr/>
-          <a:lstStyle/>
-          <a:p>
+          <a:bodyPr>
+            <a:normAutofit/>
+          </a:bodyPr>
+          <a:lstStyle/>
+          <a:p>
+            <a:r>
+              <a:rPr lang="ja-JP" altLang="en-US" dirty="0"/>
+              <a:t>いろんな知らないやつしりたいなあ</a:t>
+            </a:r>
             <a:r>
               <a:rPr kumimoji="1" lang="ja-JP" altLang="en-US" dirty="0"/>
-              <a:t>検索</a:t>
-            </a:r>
-          </a:p>
-        </p:txBody>
-      </p:sp>
-      <p:pic>
-        <p:nvPicPr>
-          <p:cNvPr id="5" name="図 4">
-            <a:extLst>
-              <a:ext uri="{FF2B5EF4-FFF2-40B4-BE49-F238E27FC236}">
-                <a16:creationId xmlns:a16="http://schemas.microsoft.com/office/drawing/2014/main" id="{0036B05B-1DE7-011D-AF00-97BC1D2FAB98}"/>
-              </a:ext>
-            </a:extLst>
-          </p:cNvPr>
-          <p:cNvPicPr>
-            <a:picLocks noChangeAspect="1"/>
-          </p:cNvPicPr>
-          <p:nvPr/>
-        </p:nvPicPr>
-        <p:blipFill>
-          <a:blip r:embed="rId2"/>
-          <a:stretch>
-            <a:fillRect/>
-          </a:stretch>
-        </p:blipFill>
-        <p:spPr>
-          <a:xfrm>
-            <a:off x="1504233" y="1355481"/>
-            <a:ext cx="9183533" cy="5188099"/>
-          </a:xfrm>
-          <a:prstGeom prst="rect">
-            <a:avLst/>
-          </a:prstGeom>
-        </p:spPr>
-      </p:pic>
+              <a:t>　みたいな不満</a:t>
+            </a:r>
+            <a:endParaRPr kumimoji="1" lang="en-US" altLang="ja-JP" dirty="0"/>
+          </a:p>
+          <a:p>
+            <a:r>
+              <a:rPr lang="en-US" altLang="ja-JP" dirty="0"/>
+              <a:t>(</a:t>
+            </a:r>
+            <a:r>
+              <a:rPr lang="ja-JP" altLang="en-US" dirty="0"/>
+              <a:t>なんか酒ないかな～みたいなやつ</a:t>
+            </a:r>
+            <a:r>
+              <a:rPr lang="en-US" altLang="ja-JP" dirty="0"/>
+              <a:t>)</a:t>
+            </a:r>
+            <a:endParaRPr kumimoji="1" lang="ja-JP" altLang="en-US" dirty="0"/>
+          </a:p>
+        </p:txBody>
+      </p:sp>
     </p:spTree>
     <p:extLst>
       <p:ext uri="{BB962C8B-B14F-4D97-AF65-F5344CB8AC3E}">
-        <p14:creationId xmlns:p14="http://schemas.microsoft.com/office/powerpoint/2010/main" val="288046091"/>
+        <p14:creationId xmlns:p14="http://schemas.microsoft.com/office/powerpoint/2010/main" val="326907901"/>
       </p:ext>
     </p:extLst>
   </p:cSld>
@@ -6288,10 +7708,10 @@
       </p:sp>
       <p:pic>
         <p:nvPicPr>
-          <p:cNvPr id="6" name="図 5">
-            <a:extLst>
-              <a:ext uri="{FF2B5EF4-FFF2-40B4-BE49-F238E27FC236}">
-                <a16:creationId xmlns:a16="http://schemas.microsoft.com/office/drawing/2014/main" id="{99492A48-79DE-31DD-C7FB-3F2EFD6F7469}"/>
+          <p:cNvPr id="5" name="図 4">
+            <a:extLst>
+              <a:ext uri="{FF2B5EF4-FFF2-40B4-BE49-F238E27FC236}">
+                <a16:creationId xmlns:a16="http://schemas.microsoft.com/office/drawing/2014/main" id="{0036B05B-1DE7-011D-AF00-97BC1D2FAB98}"/>
               </a:ext>
             </a:extLst>
           </p:cNvPr>
@@ -6308,8 +7728,8 @@
         </p:blipFill>
         <p:spPr>
           <a:xfrm>
-            <a:off x="1469361" y="1327354"/>
-            <a:ext cx="9253278" cy="5280667"/>
+            <a:off x="1504233" y="1355481"/>
+            <a:ext cx="9183533" cy="5188099"/>
           </a:xfrm>
           <a:prstGeom prst="rect">
             <a:avLst/>
@@ -6319,7 +7739,7 @@
     </p:spTree>
     <p:extLst>
       <p:ext uri="{BB962C8B-B14F-4D97-AF65-F5344CB8AC3E}">
-        <p14:creationId xmlns:p14="http://schemas.microsoft.com/office/powerpoint/2010/main" val="2573928707"/>
+        <p14:creationId xmlns:p14="http://schemas.microsoft.com/office/powerpoint/2010/main" val="288046091"/>
       </p:ext>
     </p:extLst>
   </p:cSld>
@@ -6642,4 +8062,319 @@
     </a:ext>
   </a:extLst>
 </a:theme>
+</file>
+
+<file path=ppt/theme/theme2.xml><?xml version="1.0" encoding="utf-8"?>
+<a:theme xmlns:a="http://schemas.openxmlformats.org/drawingml/2006/main" name="Office テーマ">
+  <a:themeElements>
+    <a:clrScheme name="Office">
+      <a:dk1>
+        <a:sysClr val="windowText" lastClr="000000"/>
+      </a:dk1>
+      <a:lt1>
+        <a:sysClr val="window" lastClr="FFFFFF"/>
+      </a:lt1>
+      <a:dk2>
+        <a:srgbClr val="0E2841"/>
+      </a:dk2>
+      <a:lt2>
+        <a:srgbClr val="E8E8E8"/>
+      </a:lt2>
+      <a:accent1>
+        <a:srgbClr val="156082"/>
+      </a:accent1>
+      <a:accent2>
+        <a:srgbClr val="E97132"/>
+      </a:accent2>
+      <a:accent3>
+        <a:srgbClr val="196B24"/>
+      </a:accent3>
+      <a:accent4>
+        <a:srgbClr val="0F9ED5"/>
+      </a:accent4>
+      <a:accent5>
+        <a:srgbClr val="A02B93"/>
+      </a:accent5>
+      <a:accent6>
+        <a:srgbClr val="4EA72E"/>
+      </a:accent6>
+      <a:hlink>
+        <a:srgbClr val="467886"/>
+      </a:hlink>
+      <a:folHlink>
+        <a:srgbClr val="96607D"/>
+      </a:folHlink>
+    </a:clrScheme>
+    <a:fontScheme name="Office">
+      <a:majorFont>
+        <a:latin typeface="游ゴシック Light" panose="02110004020202020204"/>
+        <a:ea typeface=""/>
+        <a:cs typeface=""/>
+        <a:font script="Jpan" typeface="游ゴシック Light"/>
+        <a:font script="Hang" typeface="맑은 고딕"/>
+        <a:font script="Hans" typeface="等线 Light"/>
+        <a:font script="Hant" typeface="新細明體"/>
+        <a:font script="Arab" typeface="Times New Roman"/>
+        <a:font script="Hebr" typeface="Times New Roman"/>
+        <a:font script="Thai" typeface="Angsana New"/>
+        <a:font script="Ethi" typeface="Nyala"/>
+        <a:font script="Beng" typeface="Vrinda"/>
+        <a:font script="Gujr" typeface="Shruti"/>
+        <a:font script="Khmr" typeface="MoolBoran"/>
+        <a:font script="Knda" typeface="Tunga"/>
+        <a:font script="Guru" typeface="Raavi"/>
+        <a:font script="Cans" typeface="Euphemia"/>
+        <a:font script="Cher" typeface="Plantagenet Cherokee"/>
+        <a:font script="Yiii" typeface="Microsoft Yi Baiti"/>
+        <a:font script="Tibt" typeface="Microsoft Himalaya"/>
+        <a:font script="Thaa" typeface="MV Boli"/>
+        <a:font script="Deva" typeface="Mangal"/>
+        <a:font script="Telu" typeface="Gautami"/>
+        <a:font script="Taml" typeface="Latha"/>
+        <a:font script="Syrc" typeface="Estrangelo Edessa"/>
+        <a:font script="Orya" typeface="Kalinga"/>
+        <a:font script="Mlym" typeface="Kartika"/>
+        <a:font script="Laoo" typeface="DokChampa"/>
+        <a:font script="Sinh" typeface="Iskoola Pota"/>
+        <a:font script="Mong" typeface="Mongolian Baiti"/>
+        <a:font script="Viet" typeface="Times New Roman"/>
+        <a:font script="Uigh" typeface="Microsoft Uighur"/>
+        <a:font script="Geor" typeface="Sylfaen"/>
+        <a:font script="Armn" typeface="Arial"/>
+        <a:font script="Bugi" typeface="Leelawadee UI"/>
+        <a:font script="Bopo" typeface="Microsoft JhengHei"/>
+        <a:font script="Java" typeface="Javanese Text"/>
+        <a:font script="Lisu" typeface="Segoe UI"/>
+        <a:font script="Mymr" typeface="Myanmar Text"/>
+        <a:font script="Nkoo" typeface="Ebrima"/>
+        <a:font script="Olck" typeface="Nirmala UI"/>
+        <a:font script="Osma" typeface="Ebrima"/>
+        <a:font script="Phag" typeface="Phagspa"/>
+        <a:font script="Syrn" typeface="Estrangelo Edessa"/>
+        <a:font script="Syrj" typeface="Estrangelo Edessa"/>
+        <a:font script="Syre" typeface="Estrangelo Edessa"/>
+        <a:font script="Sora" typeface="Nirmala UI"/>
+        <a:font script="Tale" typeface="Microsoft Tai Le"/>
+        <a:font script="Talu" typeface="Microsoft New Tai Lue"/>
+        <a:font script="Tfng" typeface="Ebrima"/>
+      </a:majorFont>
+      <a:minorFont>
+        <a:latin typeface="游ゴシック" panose="02110004020202020204"/>
+        <a:ea typeface=""/>
+        <a:cs typeface=""/>
+        <a:font script="Jpan" typeface="游ゴシック"/>
+        <a:font script="Hang" typeface="맑은 고딕"/>
+        <a:font script="Hans" typeface="等线"/>
+        <a:font script="Hant" typeface="新細明體"/>
+        <a:font script="Arab" typeface="Arial"/>
+        <a:font script="Hebr" typeface="Arial"/>
+        <a:font script="Thai" typeface="Cordia New"/>
+        <a:font script="Ethi" typeface="Nyala"/>
+        <a:font script="Beng" typeface="Vrinda"/>
+        <a:font script="Gujr" typeface="Shruti"/>
+        <a:font script="Khmr" typeface="DaunPenh"/>
+        <a:font script="Knda" typeface="Tunga"/>
+        <a:font script="Guru" typeface="Raavi"/>
+        <a:font script="Cans" typeface="Euphemia"/>
+        <a:font script="Cher" typeface="Plantagenet Cherokee"/>
+        <a:font script="Yiii" typeface="Microsoft Yi Baiti"/>
+        <a:font script="Tibt" typeface="Microsoft Himalaya"/>
+        <a:font script="Thaa" typeface="MV Boli"/>
+        <a:font script="Deva" typeface="Mangal"/>
+        <a:font script="Telu" typeface="Gautami"/>
+        <a:font script="Taml" typeface="Latha"/>
+        <a:font script="Syrc" typeface="Estrangelo Edessa"/>
+        <a:font script="Orya" typeface="Kalinga"/>
+        <a:font script="Mlym" typeface="Kartika"/>
+        <a:font script="Laoo" typeface="DokChampa"/>
+        <a:font script="Sinh" typeface="Iskoola Pota"/>
+        <a:font script="Mong" typeface="Mongolian Baiti"/>
+        <a:font script="Viet" typeface="Arial"/>
+        <a:font script="Uigh" typeface="Microsoft Uighur"/>
+        <a:font script="Geor" typeface="Sylfaen"/>
+        <a:font script="Armn" typeface="Arial"/>
+        <a:font script="Bugi" typeface="Leelawadee UI"/>
+        <a:font script="Bopo" typeface="Microsoft JhengHei"/>
+        <a:font script="Java" typeface="Javanese Text"/>
+        <a:font script="Lisu" typeface="Segoe UI"/>
+        <a:font script="Mymr" typeface="Myanmar Text"/>
+        <a:font script="Nkoo" typeface="Ebrima"/>
+        <a:font script="Olck" typeface="Nirmala UI"/>
+        <a:font script="Osma" typeface="Ebrima"/>
+        <a:font script="Phag" typeface="Phagspa"/>
+        <a:font script="Syrn" typeface="Estrangelo Edessa"/>
+        <a:font script="Syrj" typeface="Estrangelo Edessa"/>
+        <a:font script="Syre" typeface="Estrangelo Edessa"/>
+        <a:font script="Sora" typeface="Nirmala UI"/>
+        <a:font script="Tale" typeface="Microsoft Tai Le"/>
+        <a:font script="Talu" typeface="Microsoft New Tai Lue"/>
+        <a:font script="Tfng" typeface="Ebrima"/>
+      </a:minorFont>
+    </a:fontScheme>
+    <a:fmtScheme name="Office">
+      <a:fillStyleLst>
+        <a:solidFill>
+          <a:schemeClr val="phClr"/>
+        </a:solidFill>
+        <a:gradFill rotWithShape="1">
+          <a:gsLst>
+            <a:gs pos="0">
+              <a:schemeClr val="phClr">
+                <a:lumMod val="110000"/>
+                <a:satMod val="105000"/>
+                <a:tint val="67000"/>
+              </a:schemeClr>
+            </a:gs>
+            <a:gs pos="50000">
+              <a:schemeClr val="phClr">
+                <a:lumMod val="105000"/>
+                <a:satMod val="103000"/>
+                <a:tint val="73000"/>
+              </a:schemeClr>
+            </a:gs>
+            <a:gs pos="100000">
+              <a:schemeClr val="phClr">
+                <a:lumMod val="105000"/>
+                <a:satMod val="109000"/>
+                <a:tint val="81000"/>
+              </a:schemeClr>
+            </a:gs>
+          </a:gsLst>
+          <a:lin ang="5400000" scaled="0"/>
+        </a:gradFill>
+        <a:gradFill rotWithShape="1">
+          <a:gsLst>
+            <a:gs pos="0">
+              <a:schemeClr val="phClr">
+                <a:satMod val="103000"/>
+                <a:lumMod val="102000"/>
+                <a:tint val="94000"/>
+              </a:schemeClr>
+            </a:gs>
+            <a:gs pos="50000">
+              <a:schemeClr val="phClr">
+                <a:satMod val="110000"/>
+                <a:lumMod val="100000"/>
+                <a:shade val="100000"/>
+              </a:schemeClr>
+            </a:gs>
+            <a:gs pos="100000">
+              <a:schemeClr val="phClr">
+                <a:lumMod val="99000"/>
+                <a:satMod val="120000"/>
+                <a:shade val="78000"/>
+              </a:schemeClr>
+            </a:gs>
+          </a:gsLst>
+          <a:lin ang="5400000" scaled="0"/>
+        </a:gradFill>
+      </a:fillStyleLst>
+      <a:lnStyleLst>
+        <a:ln w="12700" cap="flat" cmpd="sng" algn="ctr">
+          <a:solidFill>
+            <a:schemeClr val="phClr"/>
+          </a:solidFill>
+          <a:prstDash val="solid"/>
+          <a:miter lim="800000"/>
+        </a:ln>
+        <a:ln w="19050" cap="flat" cmpd="sng" algn="ctr">
+          <a:solidFill>
+            <a:schemeClr val="phClr"/>
+          </a:solidFill>
+          <a:prstDash val="solid"/>
+          <a:miter lim="800000"/>
+        </a:ln>
+        <a:ln w="25400" cap="flat" cmpd="sng" algn="ctr">
+          <a:solidFill>
+            <a:schemeClr val="phClr"/>
+          </a:solidFill>
+          <a:prstDash val="solid"/>
+          <a:miter lim="800000"/>
+        </a:ln>
+      </a:lnStyleLst>
+      <a:effectStyleLst>
+        <a:effectStyle>
+          <a:effectLst/>
+        </a:effectStyle>
+        <a:effectStyle>
+          <a:effectLst/>
+        </a:effectStyle>
+        <a:effectStyle>
+          <a:effectLst>
+            <a:outerShdw blurRad="57150" dist="19050" dir="5400000" algn="ctr" rotWithShape="0">
+              <a:srgbClr val="000000">
+                <a:alpha val="63000"/>
+              </a:srgbClr>
+            </a:outerShdw>
+          </a:effectLst>
+        </a:effectStyle>
+      </a:effectStyleLst>
+      <a:bgFillStyleLst>
+        <a:solidFill>
+          <a:schemeClr val="phClr"/>
+        </a:solidFill>
+        <a:solidFill>
+          <a:schemeClr val="phClr">
+            <a:tint val="95000"/>
+            <a:satMod val="170000"/>
+          </a:schemeClr>
+        </a:solidFill>
+        <a:gradFill rotWithShape="1">
+          <a:gsLst>
+            <a:gs pos="0">
+              <a:schemeClr val="phClr">
+                <a:tint val="93000"/>
+                <a:satMod val="150000"/>
+                <a:shade val="98000"/>
+                <a:lumMod val="102000"/>
+              </a:schemeClr>
+            </a:gs>
+            <a:gs pos="50000">
+              <a:schemeClr val="phClr">
+                <a:tint val="98000"/>
+                <a:satMod val="130000"/>
+                <a:shade val="90000"/>
+                <a:lumMod val="103000"/>
+              </a:schemeClr>
+            </a:gs>
+            <a:gs pos="100000">
+              <a:schemeClr val="phClr">
+                <a:shade val="63000"/>
+                <a:satMod val="120000"/>
+              </a:schemeClr>
+            </a:gs>
+          </a:gsLst>
+          <a:lin ang="5400000" scaled="0"/>
+        </a:gradFill>
+      </a:bgFillStyleLst>
+    </a:fmtScheme>
+  </a:themeElements>
+  <a:objectDefaults>
+    <a:lnDef>
+      <a:spPr/>
+      <a:bodyPr/>
+      <a:lstStyle/>
+      <a:style>
+        <a:lnRef idx="2">
+          <a:schemeClr val="accent1"/>
+        </a:lnRef>
+        <a:fillRef idx="0">
+          <a:schemeClr val="accent1"/>
+        </a:fillRef>
+        <a:effectRef idx="1">
+          <a:schemeClr val="accent1"/>
+        </a:effectRef>
+        <a:fontRef idx="minor">
+          <a:schemeClr val="tx1"/>
+        </a:fontRef>
+      </a:style>
+    </a:lnDef>
+  </a:objectDefaults>
+  <a:extraClrSchemeLst/>
+  <a:extLst>
+    <a:ext uri="{05A4C25C-085E-4340-85A3-A5531E510DB2}">
+      <thm15:themeFamily xmlns:thm15="http://schemas.microsoft.com/office/thememl/2012/main" name="Office Theme" id="{2E142A2C-CD16-42D6-873A-C26D2A0506FA}" vid="{1BDDFF52-6CD6-40A5-AB3C-68EB2F1E4D0A}"/>
+    </a:ext>
+  </a:extLst>
+</a:theme>
 </file>